--- a/myapp/Chapter4.pptx
+++ b/myapp/Chapter4.pptx
@@ -5,7 +5,7 @@
     <p:sldMasterId id="2147483648" r:id="rId1"/>
   </p:sldMasterIdLst>
   <p:notesMasterIdLst>
-    <p:notesMasterId r:id="rId45"/>
+    <p:notesMasterId r:id="rId46"/>
   </p:notesMasterIdLst>
   <p:sldIdLst>
     <p:sldId id="256" r:id="rId2"/>
@@ -41,16 +41,17 @@
     <p:sldId id="319" r:id="rId32"/>
     <p:sldId id="321" r:id="rId33"/>
     <p:sldId id="322" r:id="rId34"/>
-    <p:sldId id="323" r:id="rId35"/>
-    <p:sldId id="324" r:id="rId36"/>
-    <p:sldId id="345" r:id="rId37"/>
-    <p:sldId id="346" r:id="rId38"/>
-    <p:sldId id="349" r:id="rId39"/>
-    <p:sldId id="348" r:id="rId40"/>
-    <p:sldId id="343" r:id="rId41"/>
+    <p:sldId id="324" r:id="rId35"/>
+    <p:sldId id="345" r:id="rId36"/>
+    <p:sldId id="346" r:id="rId37"/>
+    <p:sldId id="349" r:id="rId38"/>
+    <p:sldId id="348" r:id="rId39"/>
+    <p:sldId id="351" r:id="rId40"/>
+    <p:sldId id="352" r:id="rId41"/>
     <p:sldId id="347" r:id="rId42"/>
-    <p:sldId id="307" r:id="rId43"/>
-    <p:sldId id="317" r:id="rId44"/>
+    <p:sldId id="350" r:id="rId43"/>
+    <p:sldId id="307" r:id="rId44"/>
+    <p:sldId id="317" r:id="rId45"/>
   </p:sldIdLst>
   <p:sldSz cx="12192000" cy="6858000"/>
   <p:notesSz cx="6858000" cy="9144000"/>
@@ -11543,9 +11544,6 @@
             <a:endParaRPr lang="en-US" altLang="zh-TW" dirty="0"/>
           </a:p>
           <a:p>
-            <a:endParaRPr lang="en-US" altLang="zh-TW" dirty="0"/>
-          </a:p>
-          <a:p>
             <a:r>
               <a:rPr lang="zh-TW" altLang="en-US" dirty="0"/>
               <a:t>要注意網站</a:t>
@@ -11579,16 +11577,7 @@
             <a:endParaRPr lang="en-US" altLang="zh-TW" dirty="0"/>
           </a:p>
           <a:p>
-            <a:r>
-              <a:rPr lang="zh-TW" altLang="en-US" dirty="0"/>
-              <a:t>登入網站後 右上角頭像點開 </a:t>
-            </a:r>
-            <a:r>
-              <a:rPr lang="en-US" altLang="zh-TW" dirty="0">
-                <a:sym typeface="Wingdings" panose="05000000000000000000" pitchFamily="2" charset="2"/>
-              </a:rPr>
-              <a:t> Settings</a:t>
-            </a:r>
+            <a:endParaRPr lang="en-US" altLang="zh-TW" dirty="0"/>
           </a:p>
         </p:txBody>
       </p:sp>
@@ -11621,6 +11610,36 @@
           </a:p>
         </p:txBody>
       </p:sp>
+      <p:pic>
+        <p:nvPicPr>
+          <p:cNvPr id="6" name="圖片 5">
+            <a:extLst>
+              <a:ext uri="{FF2B5EF4-FFF2-40B4-BE49-F238E27FC236}">
+                <a16:creationId xmlns:a16="http://schemas.microsoft.com/office/drawing/2014/main" id="{90657C0D-E636-4C7F-B881-C8821CE947FE}"/>
+              </a:ext>
+            </a:extLst>
+          </p:cNvPr>
+          <p:cNvPicPr>
+            <a:picLocks noChangeAspect="1"/>
+          </p:cNvPicPr>
+          <p:nvPr/>
+        </p:nvPicPr>
+        <p:blipFill>
+          <a:blip r:embed="rId3"/>
+          <a:stretch>
+            <a:fillRect/>
+          </a:stretch>
+        </p:blipFill>
+        <p:spPr>
+          <a:xfrm>
+            <a:off x="2278777" y="2682421"/>
+            <a:ext cx="7634443" cy="3851851"/>
+          </a:xfrm>
+          <a:prstGeom prst="rect">
+            <a:avLst/>
+          </a:prstGeom>
+        </p:spPr>
+      </p:pic>
     </p:spTree>
     <p:extLst>
       <p:ext uri="{BB962C8B-B14F-4D97-AF65-F5344CB8AC3E}">
@@ -11692,35 +11711,6 @@
           </a:p>
         </p:txBody>
       </p:sp>
-      <p:pic>
-        <p:nvPicPr>
-          <p:cNvPr id="6" name="內容版面配置區 5">
-            <a:extLst>
-              <a:ext uri="{FF2B5EF4-FFF2-40B4-BE49-F238E27FC236}">
-                <a16:creationId xmlns:a16="http://schemas.microsoft.com/office/drawing/2014/main" id="{2E686A12-7170-4A46-A184-009B174590F9}"/>
-              </a:ext>
-            </a:extLst>
-          </p:cNvPr>
-          <p:cNvPicPr>
-            <a:picLocks noGrp="1" noChangeAspect="1"/>
-          </p:cNvPicPr>
-          <p:nvPr>
-            <p:ph idx="1"/>
-          </p:nvPr>
-        </p:nvPicPr>
-        <p:blipFill>
-          <a:blip r:embed="rId2"/>
-          <a:stretch>
-            <a:fillRect/>
-          </a:stretch>
-        </p:blipFill>
-        <p:spPr>
-          <a:xfrm>
-            <a:off x="1919725" y="1194869"/>
-            <a:ext cx="8007109" cy="4941888"/>
-          </a:xfrm>
-        </p:spPr>
-      </p:pic>
       <p:sp>
         <p:nvSpPr>
           <p:cNvPr id="4" name="投影片編號版面配置區 3">
@@ -11745,106 +11735,6 @@
             <a:fld id="{75E47052-7B09-43AD-91E3-B0B6BEE9451F}" type="slidenum">
               <a:rPr lang="zh-TW" altLang="en-US" smtClean="0"/>
               <a:t>34</a:t>
-            </a:fld>
-            <a:endParaRPr lang="zh-TW" altLang="en-US"/>
-          </a:p>
-        </p:txBody>
-      </p:sp>
-    </p:spTree>
-    <p:extLst>
-      <p:ext uri="{BB962C8B-B14F-4D97-AF65-F5344CB8AC3E}">
-        <p14:creationId xmlns:p14="http://schemas.microsoft.com/office/powerpoint/2010/main" val="663136076"/>
-      </p:ext>
-    </p:extLst>
-  </p:cSld>
-  <p:clrMapOvr>
-    <a:masterClrMapping/>
-  </p:clrMapOvr>
-</p:sld>
-</file>
-
-<file path=ppt/slides/slide35.xml><?xml version="1.0" encoding="utf-8"?>
-<p:sld xmlns:a="http://schemas.openxmlformats.org/drawingml/2006/main" xmlns:r="http://schemas.openxmlformats.org/officeDocument/2006/relationships" xmlns:p="http://schemas.openxmlformats.org/presentationml/2006/main">
-  <p:cSld>
-    <p:spTree>
-      <p:nvGrpSpPr>
-        <p:cNvPr id="1" name=""/>
-        <p:cNvGrpSpPr/>
-        <p:nvPr/>
-      </p:nvGrpSpPr>
-      <p:grpSpPr>
-        <a:xfrm>
-          <a:off x="0" y="0"/>
-          <a:ext cx="0" cy="0"/>
-          <a:chOff x="0" y="0"/>
-          <a:chExt cx="0" cy="0"/>
-        </a:xfrm>
-      </p:grpSpPr>
-      <p:sp>
-        <p:nvSpPr>
-          <p:cNvPr id="2" name="標題 1">
-            <a:extLst>
-              <a:ext uri="{FF2B5EF4-FFF2-40B4-BE49-F238E27FC236}">
-                <a16:creationId xmlns:a16="http://schemas.microsoft.com/office/drawing/2014/main" id="{985FB74F-C34E-43C3-B198-98785D0D6740}"/>
-              </a:ext>
-            </a:extLst>
-          </p:cNvPr>
-          <p:cNvSpPr>
-            <a:spLocks noGrp="1"/>
-          </p:cNvSpPr>
-          <p:nvPr>
-            <p:ph type="title"/>
-          </p:nvPr>
-        </p:nvSpPr>
-        <p:spPr/>
-        <p:txBody>
-          <a:bodyPr/>
-          <a:lstStyle/>
-          <a:p>
-            <a:r>
-              <a:rPr lang="zh-TW" altLang="en-US" dirty="0"/>
-              <a:t>到 </a:t>
-            </a:r>
-            <a:r>
-              <a:rPr lang="en-US" altLang="zh-TW" dirty="0"/>
-              <a:t>Travis CI </a:t>
-            </a:r>
-            <a:r>
-              <a:rPr lang="zh-TW" altLang="en-US" dirty="0"/>
-              <a:t>網站連結剛剛建立的 </a:t>
-            </a:r>
-            <a:r>
-              <a:rPr lang="en-US" altLang="zh-TW" dirty="0"/>
-              <a:t>repo</a:t>
-            </a:r>
-            <a:endParaRPr lang="zh-TW" altLang="en-US" dirty="0"/>
-          </a:p>
-        </p:txBody>
-      </p:sp>
-      <p:sp>
-        <p:nvSpPr>
-          <p:cNvPr id="4" name="投影片編號版面配置區 3">
-            <a:extLst>
-              <a:ext uri="{FF2B5EF4-FFF2-40B4-BE49-F238E27FC236}">
-                <a16:creationId xmlns:a16="http://schemas.microsoft.com/office/drawing/2014/main" id="{61A6E238-30B5-4031-8358-77EC5CBECF54}"/>
-              </a:ext>
-            </a:extLst>
-          </p:cNvPr>
-          <p:cNvSpPr>
-            <a:spLocks noGrp="1"/>
-          </p:cNvSpPr>
-          <p:nvPr>
-            <p:ph type="sldNum" sz="quarter" idx="12"/>
-          </p:nvPr>
-        </p:nvSpPr>
-        <p:spPr/>
-        <p:txBody>
-          <a:bodyPr/>
-          <a:lstStyle/>
-          <a:p>
-            <a:fld id="{75E47052-7B09-43AD-91E3-B0B6BEE9451F}" type="slidenum">
-              <a:rPr lang="zh-TW" altLang="en-US" smtClean="0"/>
-              <a:t>35</a:t>
             </a:fld>
             <a:endParaRPr lang="zh-TW" altLang="en-US"/>
           </a:p>
@@ -11918,7 +11808,7 @@
 </p:sld>
 </file>
 
-<file path=ppt/slides/slide36.xml><?xml version="1.0" encoding="utf-8"?>
+<file path=ppt/slides/slide35.xml><?xml version="1.0" encoding="utf-8"?>
 <p:sld xmlns:a="http://schemas.openxmlformats.org/drawingml/2006/main" xmlns:r="http://schemas.openxmlformats.org/officeDocument/2006/relationships" xmlns:p="http://schemas.openxmlformats.org/presentationml/2006/main">
   <p:cSld>
     <p:spTree>
@@ -12097,7 +11987,7 @@
           <a:p>
             <a:fld id="{75E47052-7B09-43AD-91E3-B0B6BEE9451F}" type="slidenum">
               <a:rPr lang="zh-TW" altLang="en-US" smtClean="0"/>
-              <a:t>36</a:t>
+              <a:t>35</a:t>
             </a:fld>
             <a:endParaRPr lang="zh-TW" altLang="en-US"/>
           </a:p>
@@ -12146,6 +12036,219 @@
 </p:sld>
 </file>
 
+<file path=ppt/slides/slide36.xml><?xml version="1.0" encoding="utf-8"?>
+<p:sld xmlns:a="http://schemas.openxmlformats.org/drawingml/2006/main" xmlns:r="http://schemas.openxmlformats.org/officeDocument/2006/relationships" xmlns:p="http://schemas.openxmlformats.org/presentationml/2006/main">
+  <p:cSld>
+    <p:spTree>
+      <p:nvGrpSpPr>
+        <p:cNvPr id="1" name=""/>
+        <p:cNvGrpSpPr/>
+        <p:nvPr/>
+      </p:nvGrpSpPr>
+      <p:grpSpPr>
+        <a:xfrm>
+          <a:off x="0" y="0"/>
+          <a:ext cx="0" cy="0"/>
+          <a:chOff x="0" y="0"/>
+          <a:chExt cx="0" cy="0"/>
+        </a:xfrm>
+      </p:grpSpPr>
+      <p:sp>
+        <p:nvSpPr>
+          <p:cNvPr id="2" name="標題 1">
+            <a:extLst>
+              <a:ext uri="{FF2B5EF4-FFF2-40B4-BE49-F238E27FC236}">
+                <a16:creationId xmlns:a16="http://schemas.microsoft.com/office/drawing/2014/main" id="{985FB74F-C34E-43C3-B198-98785D0D6740}"/>
+              </a:ext>
+            </a:extLst>
+          </p:cNvPr>
+          <p:cNvSpPr>
+            <a:spLocks noGrp="1"/>
+          </p:cNvSpPr>
+          <p:nvPr>
+            <p:ph type="title"/>
+          </p:nvPr>
+        </p:nvSpPr>
+        <p:spPr/>
+        <p:txBody>
+          <a:bodyPr/>
+          <a:lstStyle/>
+          <a:p>
+            <a:r>
+              <a:rPr lang="zh-TW" altLang="en-US" dirty="0"/>
+              <a:t>更新 </a:t>
+            </a:r>
+            <a:r>
+              <a:rPr lang="en-US" altLang="zh-TW" dirty="0"/>
+              <a:t>.</a:t>
+            </a:r>
+            <a:r>
+              <a:rPr lang="en-US" altLang="zh-TW" dirty="0" err="1"/>
+              <a:t>travis.yml</a:t>
+            </a:r>
+            <a:r>
+              <a:rPr lang="en-US" altLang="zh-TW" dirty="0"/>
+              <a:t> </a:t>
+            </a:r>
+            <a:r>
+              <a:rPr lang="zh-TW" altLang="en-US" dirty="0"/>
+              <a:t>檔案</a:t>
+            </a:r>
+          </a:p>
+        </p:txBody>
+      </p:sp>
+      <p:sp>
+        <p:nvSpPr>
+          <p:cNvPr id="3" name="內容版面配置區 2">
+            <a:extLst>
+              <a:ext uri="{FF2B5EF4-FFF2-40B4-BE49-F238E27FC236}">
+                <a16:creationId xmlns:a16="http://schemas.microsoft.com/office/drawing/2014/main" id="{DCF7C52F-996B-473E-BC95-7C313CD0C853}"/>
+              </a:ext>
+            </a:extLst>
+          </p:cNvPr>
+          <p:cNvSpPr>
+            <a:spLocks noGrp="1"/>
+          </p:cNvSpPr>
+          <p:nvPr>
+            <p:ph idx="1"/>
+          </p:nvPr>
+        </p:nvSpPr>
+        <p:spPr/>
+        <p:txBody>
+          <a:bodyPr>
+            <a:normAutofit/>
+          </a:bodyPr>
+          <a:lstStyle/>
+          <a:p>
+            <a:r>
+              <a:rPr lang="en-US" altLang="zh-TW" dirty="0" err="1"/>
+              <a:t>travis</a:t>
+            </a:r>
+            <a:r>
+              <a:rPr lang="en-US" altLang="zh-TW" dirty="0"/>
+              <a:t> encrypt --com HEROKU_API_KEY="</a:t>
+            </a:r>
+            <a:r>
+              <a:rPr lang="en-US" altLang="zh-TW" dirty="0" err="1"/>
+              <a:t>your_api_key</a:t>
+            </a:r>
+            <a:r>
+              <a:rPr lang="en-US" altLang="zh-TW" dirty="0"/>
+              <a:t>"</a:t>
+            </a:r>
+            <a:endParaRPr lang="en-US" altLang="zh-TW" b="1" dirty="0"/>
+          </a:p>
+          <a:p>
+            <a:pPr lvl="1"/>
+            <a:r>
+              <a:rPr lang="en-US" altLang="zh-TW" dirty="0"/>
+              <a:t> </a:t>
+            </a:r>
+            <a:r>
+              <a:rPr lang="zh-TW" altLang="en-US" dirty="0"/>
+              <a:t>一定要在</a:t>
+            </a:r>
+            <a:r>
+              <a:rPr lang="en-US" altLang="zh-TW" dirty="0"/>
+              <a:t> git</a:t>
+            </a:r>
+            <a:r>
+              <a:rPr lang="zh-TW" altLang="en-US" dirty="0"/>
+              <a:t> 下來的那個資料夾執行 </a:t>
+            </a:r>
+            <a:r>
+              <a:rPr lang="en-US" altLang="zh-TW" dirty="0"/>
+              <a:t>(ch4-test)</a:t>
+            </a:r>
+          </a:p>
+          <a:p>
+            <a:pPr lvl="1"/>
+            <a:r>
+              <a:rPr lang="en-US" altLang="zh-TW" dirty="0"/>
+              <a:t> (</a:t>
+            </a:r>
+            <a:r>
+              <a:rPr lang="zh-TW" altLang="en-US" dirty="0"/>
+              <a:t>可能要輸入</a:t>
+            </a:r>
+            <a:r>
+              <a:rPr lang="en-US" altLang="zh-TW" dirty="0"/>
+              <a:t>yes</a:t>
+            </a:r>
+            <a:r>
+              <a:rPr lang="zh-TW" altLang="en-US" dirty="0"/>
+              <a:t> 確認</a:t>
+            </a:r>
+            <a:r>
+              <a:rPr lang="en-US" altLang="zh-TW" dirty="0"/>
+              <a:t>)</a:t>
+            </a:r>
+          </a:p>
+          <a:p>
+            <a:endParaRPr lang="en-US" altLang="zh-TW" dirty="0"/>
+          </a:p>
+          <a:p>
+            <a:r>
+              <a:rPr lang="zh-TW" altLang="en-US" dirty="0"/>
+              <a:t>更新</a:t>
+            </a:r>
+            <a:r>
+              <a:rPr lang="en-US" altLang="zh-TW" dirty="0"/>
+              <a:t>secure</a:t>
+            </a:r>
+            <a:r>
+              <a:rPr lang="zh-TW" altLang="en-US" dirty="0"/>
+              <a:t>，把加密後的那串改成自己的</a:t>
+            </a:r>
+            <a:endParaRPr lang="en-US" altLang="zh-TW" dirty="0"/>
+          </a:p>
+          <a:p>
+            <a:endParaRPr lang="zh-TW" altLang="en-US" dirty="0"/>
+          </a:p>
+        </p:txBody>
+      </p:sp>
+      <p:sp>
+        <p:nvSpPr>
+          <p:cNvPr id="4" name="投影片編號版面配置區 3">
+            <a:extLst>
+              <a:ext uri="{FF2B5EF4-FFF2-40B4-BE49-F238E27FC236}">
+                <a16:creationId xmlns:a16="http://schemas.microsoft.com/office/drawing/2014/main" id="{61A6E238-30B5-4031-8358-77EC5CBECF54}"/>
+              </a:ext>
+            </a:extLst>
+          </p:cNvPr>
+          <p:cNvSpPr>
+            <a:spLocks noGrp="1"/>
+          </p:cNvSpPr>
+          <p:nvPr>
+            <p:ph type="sldNum" sz="quarter" idx="12"/>
+          </p:nvPr>
+        </p:nvSpPr>
+        <p:spPr/>
+        <p:txBody>
+          <a:bodyPr/>
+          <a:lstStyle/>
+          <a:p>
+            <a:fld id="{75E47052-7B09-43AD-91E3-B0B6BEE9451F}" type="slidenum">
+              <a:rPr lang="zh-TW" altLang="en-US" smtClean="0"/>
+              <a:t>36</a:t>
+            </a:fld>
+            <a:endParaRPr lang="zh-TW" altLang="en-US"/>
+          </a:p>
+        </p:txBody>
+      </p:sp>
+    </p:spTree>
+    <p:extLst>
+      <p:ext uri="{BB962C8B-B14F-4D97-AF65-F5344CB8AC3E}">
+        <p14:creationId xmlns:p14="http://schemas.microsoft.com/office/powerpoint/2010/main" val="99631343"/>
+      </p:ext>
+    </p:extLst>
+  </p:cSld>
+  <p:clrMapOvr>
+    <a:masterClrMapping/>
+  </p:clrMapOvr>
+</p:sld>
+</file>
+
 <file path=ppt/slides/slide37.xml><?xml version="1.0" encoding="utf-8"?>
 <p:sld xmlns:a="http://schemas.openxmlformats.org/drawingml/2006/main" xmlns:r="http://schemas.openxmlformats.org/officeDocument/2006/relationships" xmlns:p="http://schemas.openxmlformats.org/presentationml/2006/main">
   <p:cSld>
@@ -12231,213 +12334,6 @@
           <a:lstStyle/>
           <a:p>
             <a:r>
-              <a:rPr lang="en-US" altLang="zh-TW" dirty="0" err="1"/>
-              <a:t>travis</a:t>
-            </a:r>
-            <a:r>
-              <a:rPr lang="en-US" altLang="zh-TW" dirty="0"/>
-              <a:t> encrypt --com HEROKU_API_KEY="</a:t>
-            </a:r>
-            <a:r>
-              <a:rPr lang="en-US" altLang="zh-TW" dirty="0" err="1"/>
-              <a:t>your_api_key</a:t>
-            </a:r>
-            <a:r>
-              <a:rPr lang="en-US" altLang="zh-TW" dirty="0"/>
-              <a:t>"</a:t>
-            </a:r>
-          </a:p>
-          <a:p>
-            <a:pPr lvl="1"/>
-            <a:r>
-              <a:rPr lang="en-US" altLang="zh-TW" dirty="0"/>
-              <a:t> </a:t>
-            </a:r>
-            <a:r>
-              <a:rPr lang="zh-TW" altLang="en-US" dirty="0"/>
-              <a:t>一定要在</a:t>
-            </a:r>
-            <a:r>
-              <a:rPr lang="en-US" altLang="zh-TW" dirty="0"/>
-              <a:t> git</a:t>
-            </a:r>
-            <a:r>
-              <a:rPr lang="zh-TW" altLang="en-US" dirty="0"/>
-              <a:t> 下來的那個資料夾執行 </a:t>
-            </a:r>
-            <a:r>
-              <a:rPr lang="en-US" altLang="zh-TW" dirty="0"/>
-              <a:t>(ch4-test)</a:t>
-            </a:r>
-          </a:p>
-          <a:p>
-            <a:pPr lvl="1"/>
-            <a:r>
-              <a:rPr lang="en-US" altLang="zh-TW" dirty="0"/>
-              <a:t> (</a:t>
-            </a:r>
-            <a:r>
-              <a:rPr lang="zh-TW" altLang="en-US" dirty="0"/>
-              <a:t>可能要輸入一次 </a:t>
-            </a:r>
-            <a:r>
-              <a:rPr lang="en-US" altLang="zh-TW" dirty="0"/>
-              <a:t>yes)</a:t>
-            </a:r>
-          </a:p>
-          <a:p>
-            <a:endParaRPr lang="en-US" altLang="zh-TW" dirty="0"/>
-          </a:p>
-          <a:p>
-            <a:r>
-              <a:rPr lang="zh-TW" altLang="en-US" dirty="0"/>
-              <a:t>更新 </a:t>
-            </a:r>
-            <a:r>
-              <a:rPr lang="en-US" altLang="zh-TW" dirty="0"/>
-              <a:t>secure</a:t>
-            </a:r>
-            <a:r>
-              <a:rPr lang="zh-TW" altLang="en-US" dirty="0"/>
-              <a:t>，改成你加密過後的那串</a:t>
-            </a:r>
-            <a:endParaRPr lang="en-US" altLang="zh-TW" dirty="0"/>
-          </a:p>
-          <a:p>
-            <a:endParaRPr lang="en-US" altLang="zh-TW" dirty="0"/>
-          </a:p>
-          <a:p>
-            <a:endParaRPr lang="zh-TW" altLang="en-US" dirty="0"/>
-          </a:p>
-        </p:txBody>
-      </p:sp>
-      <p:sp>
-        <p:nvSpPr>
-          <p:cNvPr id="4" name="投影片編號版面配置區 3">
-            <a:extLst>
-              <a:ext uri="{FF2B5EF4-FFF2-40B4-BE49-F238E27FC236}">
-                <a16:creationId xmlns:a16="http://schemas.microsoft.com/office/drawing/2014/main" id="{61A6E238-30B5-4031-8358-77EC5CBECF54}"/>
-              </a:ext>
-            </a:extLst>
-          </p:cNvPr>
-          <p:cNvSpPr>
-            <a:spLocks noGrp="1"/>
-          </p:cNvSpPr>
-          <p:nvPr>
-            <p:ph type="sldNum" sz="quarter" idx="12"/>
-          </p:nvPr>
-        </p:nvSpPr>
-        <p:spPr/>
-        <p:txBody>
-          <a:bodyPr/>
-          <a:lstStyle/>
-          <a:p>
-            <a:fld id="{75E47052-7B09-43AD-91E3-B0B6BEE9451F}" type="slidenum">
-              <a:rPr lang="zh-TW" altLang="en-US" smtClean="0"/>
-              <a:t>37</a:t>
-            </a:fld>
-            <a:endParaRPr lang="zh-TW" altLang="en-US"/>
-          </a:p>
-        </p:txBody>
-      </p:sp>
-    </p:spTree>
-    <p:extLst>
-      <p:ext uri="{BB962C8B-B14F-4D97-AF65-F5344CB8AC3E}">
-        <p14:creationId xmlns:p14="http://schemas.microsoft.com/office/powerpoint/2010/main" val="99631343"/>
-      </p:ext>
-    </p:extLst>
-  </p:cSld>
-  <p:clrMapOvr>
-    <a:masterClrMapping/>
-  </p:clrMapOvr>
-</p:sld>
-</file>
-
-<file path=ppt/slides/slide38.xml><?xml version="1.0" encoding="utf-8"?>
-<p:sld xmlns:a="http://schemas.openxmlformats.org/drawingml/2006/main" xmlns:r="http://schemas.openxmlformats.org/officeDocument/2006/relationships" xmlns:p="http://schemas.openxmlformats.org/presentationml/2006/main">
-  <p:cSld>
-    <p:spTree>
-      <p:nvGrpSpPr>
-        <p:cNvPr id="1" name=""/>
-        <p:cNvGrpSpPr/>
-        <p:nvPr/>
-      </p:nvGrpSpPr>
-      <p:grpSpPr>
-        <a:xfrm>
-          <a:off x="0" y="0"/>
-          <a:ext cx="0" cy="0"/>
-          <a:chOff x="0" y="0"/>
-          <a:chExt cx="0" cy="0"/>
-        </a:xfrm>
-      </p:grpSpPr>
-      <p:sp>
-        <p:nvSpPr>
-          <p:cNvPr id="2" name="標題 1">
-            <a:extLst>
-              <a:ext uri="{FF2B5EF4-FFF2-40B4-BE49-F238E27FC236}">
-                <a16:creationId xmlns:a16="http://schemas.microsoft.com/office/drawing/2014/main" id="{985FB74F-C34E-43C3-B198-98785D0D6740}"/>
-              </a:ext>
-            </a:extLst>
-          </p:cNvPr>
-          <p:cNvSpPr>
-            <a:spLocks noGrp="1"/>
-          </p:cNvSpPr>
-          <p:nvPr>
-            <p:ph type="title"/>
-          </p:nvPr>
-        </p:nvSpPr>
-        <p:spPr/>
-        <p:txBody>
-          <a:bodyPr/>
-          <a:lstStyle/>
-          <a:p>
-            <a:r>
-              <a:rPr lang="zh-TW" altLang="en-US" dirty="0"/>
-              <a:t>更新 </a:t>
-            </a:r>
-            <a:r>
-              <a:rPr lang="en-US" altLang="zh-TW" dirty="0"/>
-              <a:t>.</a:t>
-            </a:r>
-            <a:r>
-              <a:rPr lang="en-US" altLang="zh-TW" dirty="0" err="1"/>
-              <a:t>travis.yml</a:t>
-            </a:r>
-            <a:r>
-              <a:rPr lang="en-US" altLang="zh-TW" dirty="0"/>
-              <a:t> </a:t>
-            </a:r>
-            <a:r>
-              <a:rPr lang="zh-TW" altLang="en-US" dirty="0"/>
-              <a:t>檔案</a:t>
-            </a:r>
-          </a:p>
-        </p:txBody>
-      </p:sp>
-      <p:sp>
-        <p:nvSpPr>
-          <p:cNvPr id="3" name="內容版面配置區 2">
-            <a:extLst>
-              <a:ext uri="{FF2B5EF4-FFF2-40B4-BE49-F238E27FC236}">
-                <a16:creationId xmlns:a16="http://schemas.microsoft.com/office/drawing/2014/main" id="{DCF7C52F-996B-473E-BC95-7C313CD0C853}"/>
-              </a:ext>
-            </a:extLst>
-          </p:cNvPr>
-          <p:cNvSpPr>
-            <a:spLocks noGrp="1"/>
-          </p:cNvSpPr>
-          <p:nvPr>
-            <p:ph idx="1"/>
-          </p:nvPr>
-        </p:nvSpPr>
-        <p:spPr/>
-        <p:txBody>
-          <a:bodyPr>
-            <a:normAutofit/>
-          </a:bodyPr>
-          <a:lstStyle/>
-          <a:p>
-            <a:r>
               <a:rPr lang="zh-TW" altLang="en-US" dirty="0"/>
               <a:t>更改</a:t>
             </a:r>
@@ -12598,7 +12494,7 @@
           <a:p>
             <a:fld id="{75E47052-7B09-43AD-91E3-B0B6BEE9451F}" type="slidenum">
               <a:rPr lang="zh-TW" altLang="en-US" smtClean="0"/>
-              <a:t>38</a:t>
+              <a:t>37</a:t>
             </a:fld>
             <a:endParaRPr lang="zh-TW" altLang="en-US"/>
           </a:p>
@@ -12634,8 +12530,8 @@
           </a:prstGeom>
         </p:spPr>
       </p:pic>
-      <mc:AlternateContent xmlns:mc="http://schemas.openxmlformats.org/markup-compatibility/2006">
-        <mc:Choice xmlns:p14="http://schemas.microsoft.com/office/powerpoint/2010/main" Requires="p14">
+      <mc:AlternateContent xmlns:mc="http://schemas.openxmlformats.org/markup-compatibility/2006" xmlns:p14="http://schemas.microsoft.com/office/powerpoint/2010/main">
+        <mc:Choice Requires="p14">
           <p:contentPart p14:bwMode="auto" r:id="rId3">
             <p14:nvContentPartPr>
               <p14:cNvPr id="7" name="筆跡 6">
@@ -12654,7 +12550,7 @@
             </p14:xfrm>
           </p:contentPart>
         </mc:Choice>
-        <mc:Fallback>
+        <mc:Fallback xmlns="">
           <p:pic>
             <p:nvPicPr>
               <p:cNvPr id="7" name="筆跡 6">
@@ -12698,6 +12594,348 @@
 </p:sld>
 </file>
 
+<file path=ppt/slides/slide38.xml><?xml version="1.0" encoding="utf-8"?>
+<p:sld xmlns:a="http://schemas.openxmlformats.org/drawingml/2006/main" xmlns:r="http://schemas.openxmlformats.org/officeDocument/2006/relationships" xmlns:p="http://schemas.openxmlformats.org/presentationml/2006/main">
+  <p:cSld>
+    <p:spTree>
+      <p:nvGrpSpPr>
+        <p:cNvPr id="1" name=""/>
+        <p:cNvGrpSpPr/>
+        <p:nvPr/>
+      </p:nvGrpSpPr>
+      <p:grpSpPr>
+        <a:xfrm>
+          <a:off x="0" y="0"/>
+          <a:ext cx="0" cy="0"/>
+          <a:chOff x="0" y="0"/>
+          <a:chExt cx="0" cy="0"/>
+        </a:xfrm>
+      </p:grpSpPr>
+      <p:sp>
+        <p:nvSpPr>
+          <p:cNvPr id="2" name="標題 1">
+            <a:extLst>
+              <a:ext uri="{FF2B5EF4-FFF2-40B4-BE49-F238E27FC236}">
+                <a16:creationId xmlns:a16="http://schemas.microsoft.com/office/drawing/2014/main" id="{985FB74F-C34E-43C3-B198-98785D0D6740}"/>
+              </a:ext>
+            </a:extLst>
+          </p:cNvPr>
+          <p:cNvSpPr>
+            <a:spLocks noGrp="1"/>
+          </p:cNvSpPr>
+          <p:nvPr>
+            <p:ph type="title"/>
+          </p:nvPr>
+        </p:nvSpPr>
+        <p:spPr/>
+        <p:txBody>
+          <a:bodyPr/>
+          <a:lstStyle/>
+          <a:p>
+            <a:r>
+              <a:rPr lang="zh-TW" altLang="en-US" dirty="0"/>
+              <a:t>更新 </a:t>
+            </a:r>
+            <a:r>
+              <a:rPr lang="en-US" altLang="zh-TW" dirty="0"/>
+              <a:t>.</a:t>
+            </a:r>
+            <a:r>
+              <a:rPr lang="en-US" altLang="zh-TW" dirty="0" err="1"/>
+              <a:t>travis.yml</a:t>
+            </a:r>
+            <a:r>
+              <a:rPr lang="en-US" altLang="zh-TW" dirty="0"/>
+              <a:t> </a:t>
+            </a:r>
+            <a:r>
+              <a:rPr lang="zh-TW" altLang="en-US" dirty="0"/>
+              <a:t>檔案</a:t>
+            </a:r>
+          </a:p>
+        </p:txBody>
+      </p:sp>
+      <p:sp>
+        <p:nvSpPr>
+          <p:cNvPr id="3" name="內容版面配置區 2">
+            <a:extLst>
+              <a:ext uri="{FF2B5EF4-FFF2-40B4-BE49-F238E27FC236}">
+                <a16:creationId xmlns:a16="http://schemas.microsoft.com/office/drawing/2014/main" id="{DCF7C52F-996B-473E-BC95-7C313CD0C853}"/>
+              </a:ext>
+            </a:extLst>
+          </p:cNvPr>
+          <p:cNvSpPr>
+            <a:spLocks noGrp="1"/>
+          </p:cNvSpPr>
+          <p:nvPr>
+            <p:ph idx="1"/>
+          </p:nvPr>
+        </p:nvSpPr>
+        <p:spPr/>
+        <p:txBody>
+          <a:bodyPr>
+            <a:normAutofit/>
+          </a:bodyPr>
+          <a:lstStyle/>
+          <a:p>
+            <a:pPr marL="0" indent="0">
+              <a:buNone/>
+            </a:pPr>
+            <a:r>
+              <a:rPr lang="en-US" altLang="zh-TW" sz="2200" b="1" dirty="0">
+                <a:solidFill>
+                  <a:srgbClr val="0070C0"/>
+                </a:solidFill>
+                <a:effectLst/>
+                <a:latin typeface="Consolas" panose="020B0609020204030204" pitchFamily="49" charset="0"/>
+              </a:rPr>
+              <a:t>deploy:</a:t>
+            </a:r>
+          </a:p>
+          <a:p>
+            <a:pPr marL="0" indent="0">
+              <a:buNone/>
+            </a:pPr>
+            <a:r>
+              <a:rPr lang="zh-TW" altLang="en-US" sz="2200" b="0" dirty="0">
+                <a:solidFill>
+                  <a:srgbClr val="D4D4D4"/>
+                </a:solidFill>
+                <a:effectLst/>
+                <a:latin typeface="Consolas" panose="020B0609020204030204" pitchFamily="49" charset="0"/>
+              </a:rPr>
+              <a:t>  </a:t>
+            </a:r>
+            <a:r>
+              <a:rPr lang="en-US" altLang="zh-TW" sz="2200" b="1" dirty="0">
+                <a:solidFill>
+                  <a:srgbClr val="0070C0"/>
+                </a:solidFill>
+                <a:latin typeface="Consolas" panose="020B0609020204030204" pitchFamily="49" charset="0"/>
+              </a:rPr>
+              <a:t>- provider:</a:t>
+            </a:r>
+            <a:r>
+              <a:rPr lang="en-US" altLang="zh-TW" sz="2200" b="0" dirty="0">
+                <a:solidFill>
+                  <a:srgbClr val="D4D4D4"/>
+                </a:solidFill>
+                <a:effectLst/>
+                <a:latin typeface="Consolas" panose="020B0609020204030204" pitchFamily="49" charset="0"/>
+              </a:rPr>
+              <a:t> </a:t>
+            </a:r>
+            <a:r>
+              <a:rPr lang="en-US" altLang="zh-TW" sz="2200" b="0" dirty="0">
+                <a:effectLst/>
+                <a:latin typeface="Consolas" panose="020B0609020204030204" pitchFamily="49" charset="0"/>
+              </a:rPr>
+              <a:t>script</a:t>
+            </a:r>
+          </a:p>
+          <a:p>
+            <a:pPr marL="0" indent="0">
+              <a:buNone/>
+            </a:pPr>
+            <a:r>
+              <a:rPr lang="zh-TW" altLang="en-US" sz="2200" b="0" dirty="0">
+                <a:solidFill>
+                  <a:srgbClr val="6A9955"/>
+                </a:solidFill>
+                <a:effectLst/>
+                <a:latin typeface="Consolas" panose="020B0609020204030204" pitchFamily="49" charset="0"/>
+              </a:rPr>
+              <a:t>    </a:t>
+            </a:r>
+            <a:r>
+              <a:rPr lang="en-US" altLang="zh-TW" sz="2200" b="0" dirty="0">
+                <a:solidFill>
+                  <a:srgbClr val="6A9955"/>
+                </a:solidFill>
+                <a:effectLst/>
+                <a:latin typeface="Consolas" panose="020B0609020204030204" pitchFamily="49" charset="0"/>
+              </a:rPr>
+              <a:t># should change to yours</a:t>
+            </a:r>
+            <a:endParaRPr lang="en-US" altLang="zh-TW" sz="2200" b="0" dirty="0">
+              <a:solidFill>
+                <a:srgbClr val="D4D4D4"/>
+              </a:solidFill>
+              <a:effectLst/>
+              <a:latin typeface="Consolas" panose="020B0609020204030204" pitchFamily="49" charset="0"/>
+            </a:endParaRPr>
+          </a:p>
+          <a:p>
+            <a:pPr marL="0" indent="0">
+              <a:buNone/>
+            </a:pPr>
+            <a:r>
+              <a:rPr lang="zh-TW" altLang="en-US" sz="2200" b="1" dirty="0">
+                <a:solidFill>
+                  <a:srgbClr val="0070C0"/>
+                </a:solidFill>
+                <a:latin typeface="Consolas" panose="020B0609020204030204" pitchFamily="49" charset="0"/>
+              </a:rPr>
+              <a:t>    </a:t>
+            </a:r>
+            <a:r>
+              <a:rPr lang="en-US" altLang="zh-TW" sz="2200" b="1" dirty="0">
+                <a:solidFill>
+                  <a:srgbClr val="0070C0"/>
+                </a:solidFill>
+                <a:latin typeface="Consolas" panose="020B0609020204030204" pitchFamily="49" charset="0"/>
+              </a:rPr>
+              <a:t>script: </a:t>
+            </a:r>
+            <a:r>
+              <a:rPr lang="en-US" altLang="zh-TW" sz="2200" b="0" dirty="0" err="1">
+                <a:effectLst/>
+                <a:latin typeface="Consolas" panose="020B0609020204030204" pitchFamily="49" charset="0"/>
+              </a:rPr>
+              <a:t>heroku</a:t>
+            </a:r>
+            <a:r>
+              <a:rPr lang="en-US" altLang="zh-TW" sz="2200" b="0" dirty="0">
+                <a:effectLst/>
+                <a:latin typeface="Consolas" panose="020B0609020204030204" pitchFamily="49" charset="0"/>
+              </a:rPr>
+              <a:t> </a:t>
+            </a:r>
+            <a:r>
+              <a:rPr lang="en-US" altLang="zh-TW" sz="2200" b="0" dirty="0" err="1">
+                <a:effectLst/>
+                <a:latin typeface="Consolas" panose="020B0609020204030204" pitchFamily="49" charset="0"/>
+              </a:rPr>
+              <a:t>container:release</a:t>
+            </a:r>
+            <a:r>
+              <a:rPr lang="en-US" altLang="zh-TW" sz="2200" b="0" dirty="0">
+                <a:effectLst/>
+                <a:latin typeface="Consolas" panose="020B0609020204030204" pitchFamily="49" charset="0"/>
+              </a:rPr>
+              <a:t> web --app </a:t>
+            </a:r>
+            <a:r>
+              <a:rPr lang="en-US" altLang="zh-TW" sz="2400" b="1" dirty="0">
+                <a:solidFill>
+                  <a:srgbClr val="C00000"/>
+                </a:solidFill>
+                <a:effectLst/>
+                <a:latin typeface="Consolas" panose="020B0609020204030204" pitchFamily="49" charset="0"/>
+              </a:rPr>
+              <a:t>&lt;your-app-name&gt;</a:t>
+            </a:r>
+            <a:endParaRPr lang="en-US" altLang="zh-TW" sz="2200" b="0" dirty="0">
+              <a:effectLst/>
+              <a:latin typeface="Consolas" panose="020B0609020204030204" pitchFamily="49" charset="0"/>
+            </a:endParaRPr>
+          </a:p>
+          <a:p>
+            <a:pPr marL="0" indent="0">
+              <a:buNone/>
+            </a:pPr>
+            <a:endParaRPr lang="en-US" altLang="zh-TW" dirty="0"/>
+          </a:p>
+          <a:p>
+            <a:r>
+              <a:rPr lang="zh-TW" altLang="en-US" dirty="0"/>
+              <a:t>這樣只要</a:t>
+            </a:r>
+            <a:r>
+              <a:rPr lang="en-US" altLang="zh-TW" dirty="0"/>
+              <a:t>push</a:t>
+            </a:r>
+            <a:r>
+              <a:rPr lang="zh-TW" altLang="en-US" dirty="0"/>
+              <a:t>後，</a:t>
+            </a:r>
+            <a:r>
+              <a:rPr lang="en-US" altLang="zh-TW" dirty="0"/>
+              <a:t>Travis</a:t>
+            </a:r>
+            <a:r>
+              <a:rPr lang="zh-TW" altLang="en-US" dirty="0"/>
+              <a:t>偵測到 </a:t>
+            </a:r>
+            <a:r>
+              <a:rPr lang="en-US" altLang="zh-TW" dirty="0"/>
+              <a:t>GitHub</a:t>
+            </a:r>
+            <a:r>
+              <a:rPr lang="zh-TW" altLang="en-US" dirty="0"/>
+              <a:t>有更新，就會自動</a:t>
+            </a:r>
+            <a:r>
+              <a:rPr lang="en-US" altLang="zh-TW" dirty="0"/>
+              <a:t>Build</a:t>
+            </a:r>
+            <a:r>
+              <a:rPr lang="zh-TW" altLang="en-US" dirty="0"/>
+              <a:t>一個</a:t>
+            </a:r>
+            <a:r>
+              <a:rPr lang="en-US" altLang="zh-TW" dirty="0"/>
+              <a:t>Server</a:t>
+            </a:r>
+            <a:r>
+              <a:rPr lang="zh-TW" altLang="en-US" dirty="0"/>
+              <a:t>然後部屬到 </a:t>
+            </a:r>
+            <a:r>
+              <a:rPr lang="en-US" altLang="zh-TW" dirty="0"/>
+              <a:t>Heroku</a:t>
+            </a:r>
+          </a:p>
+          <a:p>
+            <a:endParaRPr lang="en-US" altLang="zh-TW" dirty="0"/>
+          </a:p>
+          <a:p>
+            <a:endParaRPr lang="zh-TW" altLang="en-US" dirty="0"/>
+          </a:p>
+        </p:txBody>
+      </p:sp>
+      <p:sp>
+        <p:nvSpPr>
+          <p:cNvPr id="4" name="投影片編號版面配置區 3">
+            <a:extLst>
+              <a:ext uri="{FF2B5EF4-FFF2-40B4-BE49-F238E27FC236}">
+                <a16:creationId xmlns:a16="http://schemas.microsoft.com/office/drawing/2014/main" id="{61A6E238-30B5-4031-8358-77EC5CBECF54}"/>
+              </a:ext>
+            </a:extLst>
+          </p:cNvPr>
+          <p:cNvSpPr>
+            <a:spLocks noGrp="1"/>
+          </p:cNvSpPr>
+          <p:nvPr>
+            <p:ph type="sldNum" sz="quarter" idx="12"/>
+          </p:nvPr>
+        </p:nvSpPr>
+        <p:spPr/>
+        <p:txBody>
+          <a:bodyPr/>
+          <a:lstStyle/>
+          <a:p>
+            <a:fld id="{75E47052-7B09-43AD-91E3-B0B6BEE9451F}" type="slidenum">
+              <a:rPr lang="zh-TW" altLang="en-US" smtClean="0"/>
+              <a:t>38</a:t>
+            </a:fld>
+            <a:endParaRPr lang="zh-TW" altLang="en-US"/>
+          </a:p>
+        </p:txBody>
+      </p:sp>
+    </p:spTree>
+    <p:extLst>
+      <p:ext uri="{BB962C8B-B14F-4D97-AF65-F5344CB8AC3E}">
+        <p14:creationId xmlns:p14="http://schemas.microsoft.com/office/powerpoint/2010/main" val="2286085916"/>
+      </p:ext>
+    </p:extLst>
+  </p:cSld>
+  <p:clrMapOvr>
+    <a:masterClrMapping/>
+  </p:clrMapOvr>
+</p:sld>
+</file>
+
 <file path=ppt/slides/slide39.xml><?xml version="1.0" encoding="utf-8"?>
 <p:sld xmlns:a="http://schemas.openxmlformats.org/drawingml/2006/main" xmlns:r="http://schemas.openxmlformats.org/officeDocument/2006/relationships" xmlns:p="http://schemas.openxmlformats.org/presentationml/2006/main">
   <p:cSld>
@@ -12738,24 +12976,13 @@
           <a:p>
             <a:r>
               <a:rPr lang="zh-TW" altLang="en-US" dirty="0"/>
-              <a:t>更新 </a:t>
+              <a:t>更改網站印出的內容 </a:t>
             </a:r>
             <a:r>
               <a:rPr lang="en-US" altLang="zh-TW" dirty="0"/>
-              <a:t>.</a:t>
-            </a:r>
-            <a:r>
-              <a:rPr lang="en-US" altLang="zh-TW" dirty="0" err="1"/>
-              <a:t>travis.yml</a:t>
-            </a:r>
-            <a:r>
-              <a:rPr lang="en-US" altLang="zh-TW" dirty="0"/>
-              <a:t> </a:t>
-            </a:r>
-            <a:r>
-              <a:rPr lang="zh-TW" altLang="en-US" dirty="0"/>
-              <a:t>檔案</a:t>
-            </a:r>
+              <a:t>(Optional)</a:t>
+            </a:r>
+            <a:endParaRPr lang="zh-TW" altLang="en-US" dirty="0"/>
           </a:p>
         </p:txBody>
       </p:sp>
@@ -12781,214 +13008,11 @@
             <a:normAutofit/>
           </a:bodyPr>
           <a:lstStyle/>
-          <a:p>
-            <a:pPr marL="0" indent="0">
-              <a:buNone/>
-            </a:pPr>
-            <a:r>
-              <a:rPr lang="en-US" altLang="zh-TW" sz="2200" b="1" dirty="0">
-                <a:solidFill>
-                  <a:srgbClr val="0070C0"/>
-                </a:solidFill>
-                <a:effectLst/>
-                <a:latin typeface="Consolas" panose="020B0609020204030204" pitchFamily="49" charset="0"/>
-              </a:rPr>
-              <a:t>deploy:</a:t>
-            </a:r>
-          </a:p>
-          <a:p>
-            <a:pPr marL="0" indent="0">
-              <a:buNone/>
-            </a:pPr>
-            <a:r>
-              <a:rPr lang="zh-TW" altLang="en-US" sz="2200" b="0" dirty="0">
-                <a:solidFill>
-                  <a:srgbClr val="D4D4D4"/>
-                </a:solidFill>
-                <a:effectLst/>
-                <a:latin typeface="Consolas" panose="020B0609020204030204" pitchFamily="49" charset="0"/>
-              </a:rPr>
-              <a:t>  </a:t>
-            </a:r>
-            <a:r>
-              <a:rPr lang="en-US" altLang="zh-TW" sz="2200" b="1" dirty="0">
-                <a:solidFill>
-                  <a:srgbClr val="0070C0"/>
-                </a:solidFill>
-                <a:latin typeface="Consolas" panose="020B0609020204030204" pitchFamily="49" charset="0"/>
-              </a:rPr>
-              <a:t>- provider:</a:t>
-            </a:r>
-            <a:r>
-              <a:rPr lang="en-US" altLang="zh-TW" sz="2200" b="0" dirty="0">
-                <a:solidFill>
-                  <a:srgbClr val="D4D4D4"/>
-                </a:solidFill>
-                <a:effectLst/>
-                <a:latin typeface="Consolas" panose="020B0609020204030204" pitchFamily="49" charset="0"/>
-              </a:rPr>
-              <a:t> </a:t>
-            </a:r>
-            <a:r>
-              <a:rPr lang="en-US" altLang="zh-TW" sz="2200" b="0" dirty="0">
-                <a:effectLst/>
-                <a:latin typeface="Consolas" panose="020B0609020204030204" pitchFamily="49" charset="0"/>
-              </a:rPr>
-              <a:t>script</a:t>
-            </a:r>
-          </a:p>
-          <a:p>
-            <a:pPr marL="0" indent="0">
-              <a:buNone/>
-            </a:pPr>
-            <a:r>
-              <a:rPr lang="zh-TW" altLang="en-US" sz="2200" b="0" dirty="0">
-                <a:solidFill>
-                  <a:srgbClr val="6A9955"/>
-                </a:solidFill>
-                <a:effectLst/>
-                <a:latin typeface="Consolas" panose="020B0609020204030204" pitchFamily="49" charset="0"/>
-              </a:rPr>
-              <a:t>    </a:t>
-            </a:r>
-            <a:r>
-              <a:rPr lang="en-US" altLang="zh-TW" sz="2200" b="0" dirty="0">
-                <a:solidFill>
-                  <a:srgbClr val="6A9955"/>
-                </a:solidFill>
-                <a:effectLst/>
-                <a:latin typeface="Consolas" panose="020B0609020204030204" pitchFamily="49" charset="0"/>
-              </a:rPr>
-              <a:t># should change to yours</a:t>
-            </a:r>
-            <a:endParaRPr lang="en-US" altLang="zh-TW" sz="2200" b="0" dirty="0">
-              <a:solidFill>
-                <a:srgbClr val="D4D4D4"/>
-              </a:solidFill>
-              <a:effectLst/>
-              <a:latin typeface="Consolas" panose="020B0609020204030204" pitchFamily="49" charset="0"/>
-            </a:endParaRPr>
-          </a:p>
-          <a:p>
-            <a:pPr marL="0" indent="0">
-              <a:buNone/>
-            </a:pPr>
-            <a:r>
-              <a:rPr lang="zh-TW" altLang="en-US" sz="2200" b="1" dirty="0">
-                <a:solidFill>
-                  <a:srgbClr val="0070C0"/>
-                </a:solidFill>
-                <a:latin typeface="Consolas" panose="020B0609020204030204" pitchFamily="49" charset="0"/>
-              </a:rPr>
-              <a:t>    </a:t>
-            </a:r>
-            <a:r>
-              <a:rPr lang="en-US" altLang="zh-TW" sz="2200" b="1" dirty="0">
-                <a:solidFill>
-                  <a:srgbClr val="0070C0"/>
-                </a:solidFill>
-                <a:latin typeface="Consolas" panose="020B0609020204030204" pitchFamily="49" charset="0"/>
-              </a:rPr>
-              <a:t>script: </a:t>
-            </a:r>
-            <a:r>
-              <a:rPr lang="en-US" altLang="zh-TW" sz="2200" b="0" dirty="0" err="1">
-                <a:effectLst/>
-                <a:latin typeface="Consolas" panose="020B0609020204030204" pitchFamily="49" charset="0"/>
-              </a:rPr>
-              <a:t>heroku</a:t>
-            </a:r>
-            <a:r>
-              <a:rPr lang="en-US" altLang="zh-TW" sz="2200" b="0" dirty="0">
-                <a:effectLst/>
-                <a:latin typeface="Consolas" panose="020B0609020204030204" pitchFamily="49" charset="0"/>
-              </a:rPr>
-              <a:t> </a:t>
-            </a:r>
-            <a:r>
-              <a:rPr lang="en-US" altLang="zh-TW" sz="2200" b="0" dirty="0" err="1">
-                <a:effectLst/>
-                <a:latin typeface="Consolas" panose="020B0609020204030204" pitchFamily="49" charset="0"/>
-              </a:rPr>
-              <a:t>container:release</a:t>
-            </a:r>
-            <a:r>
-              <a:rPr lang="en-US" altLang="zh-TW" sz="2200" b="0" dirty="0">
-                <a:effectLst/>
-                <a:latin typeface="Consolas" panose="020B0609020204030204" pitchFamily="49" charset="0"/>
-              </a:rPr>
-              <a:t> web --app </a:t>
-            </a:r>
-            <a:r>
-              <a:rPr lang="en-US" altLang="zh-TW" sz="2400" b="1" dirty="0">
-                <a:solidFill>
-                  <a:srgbClr val="C00000"/>
-                </a:solidFill>
-                <a:effectLst/>
-                <a:latin typeface="Consolas" panose="020B0609020204030204" pitchFamily="49" charset="0"/>
-              </a:rPr>
-              <a:t>&lt;your-app-name&gt;</a:t>
-            </a:r>
-            <a:endParaRPr lang="en-US" altLang="zh-TW" sz="2200" b="0" dirty="0">
-              <a:effectLst/>
-              <a:latin typeface="Consolas" panose="020B0609020204030204" pitchFamily="49" charset="0"/>
-            </a:endParaRPr>
-          </a:p>
           <a:p>
             <a:pPr marL="0" indent="0">
               <a:buNone/>
             </a:pPr>
             <a:endParaRPr lang="en-US" altLang="zh-TW" dirty="0"/>
-          </a:p>
-          <a:p>
-            <a:r>
-              <a:rPr lang="zh-TW" altLang="en-US" dirty="0"/>
-              <a:t>這樣只要</a:t>
-            </a:r>
-            <a:r>
-              <a:rPr lang="en-US" altLang="zh-TW" dirty="0"/>
-              <a:t>push</a:t>
-            </a:r>
-            <a:r>
-              <a:rPr lang="zh-TW" altLang="en-US" dirty="0"/>
-              <a:t>後，</a:t>
-            </a:r>
-            <a:r>
-              <a:rPr lang="en-US" altLang="zh-TW" dirty="0"/>
-              <a:t>Travis</a:t>
-            </a:r>
-            <a:r>
-              <a:rPr lang="zh-TW" altLang="en-US" dirty="0"/>
-              <a:t>偵測到 </a:t>
-            </a:r>
-            <a:r>
-              <a:rPr lang="en-US" altLang="zh-TW" dirty="0"/>
-              <a:t>GitHub</a:t>
-            </a:r>
-            <a:r>
-              <a:rPr lang="zh-TW" altLang="en-US" dirty="0"/>
-              <a:t>有更新，就會自動</a:t>
-            </a:r>
-            <a:r>
-              <a:rPr lang="en-US" altLang="zh-TW" dirty="0"/>
-              <a:t>Build</a:t>
-            </a:r>
-            <a:r>
-              <a:rPr lang="zh-TW" altLang="en-US" dirty="0"/>
-              <a:t>一個</a:t>
-            </a:r>
-            <a:r>
-              <a:rPr lang="en-US" altLang="zh-TW" dirty="0"/>
-              <a:t>Server</a:t>
-            </a:r>
-            <a:r>
-              <a:rPr lang="zh-TW" altLang="en-US" dirty="0"/>
-              <a:t>然後部屬到 </a:t>
-            </a:r>
-            <a:r>
-              <a:rPr lang="en-US" altLang="zh-TW" dirty="0"/>
-              <a:t>Heroku</a:t>
-            </a:r>
           </a:p>
           <a:p>
             <a:endParaRPr lang="en-US" altLang="zh-TW" dirty="0"/>
@@ -13027,10 +13051,40 @@
           </a:p>
         </p:txBody>
       </p:sp>
+      <p:pic>
+        <p:nvPicPr>
+          <p:cNvPr id="6" name="圖片 5">
+            <a:extLst>
+              <a:ext uri="{FF2B5EF4-FFF2-40B4-BE49-F238E27FC236}">
+                <a16:creationId xmlns:a16="http://schemas.microsoft.com/office/drawing/2014/main" id="{2FD4F565-7857-49A1-B8D5-8E1A8F029A2F}"/>
+              </a:ext>
+            </a:extLst>
+          </p:cNvPr>
+          <p:cNvPicPr>
+            <a:picLocks noChangeAspect="1"/>
+          </p:cNvPicPr>
+          <p:nvPr/>
+        </p:nvPicPr>
+        <p:blipFill>
+          <a:blip r:embed="rId2"/>
+          <a:stretch>
+            <a:fillRect/>
+          </a:stretch>
+        </p:blipFill>
+        <p:spPr>
+          <a:xfrm>
+            <a:off x="1370093" y="1354451"/>
+            <a:ext cx="9451814" cy="4149097"/>
+          </a:xfrm>
+          <a:prstGeom prst="rect">
+            <a:avLst/>
+          </a:prstGeom>
+        </p:spPr>
+      </p:pic>
     </p:spTree>
     <p:extLst>
       <p:ext uri="{BB962C8B-B14F-4D97-AF65-F5344CB8AC3E}">
-        <p14:creationId xmlns:p14="http://schemas.microsoft.com/office/powerpoint/2010/main" val="2286085916"/>
+        <p14:creationId xmlns:p14="http://schemas.microsoft.com/office/powerpoint/2010/main" val="2966261460"/>
       </p:ext>
     </p:extLst>
   </p:cSld>
@@ -13257,7 +13311,7 @@
           <a:p>
             <a:r>
               <a:rPr lang="zh-TW" altLang="en-US" dirty="0"/>
-              <a:t>隨便做一些更動</a:t>
+              <a:t>大功告成啦啦啦～～</a:t>
             </a:r>
           </a:p>
         </p:txBody>
@@ -13280,44 +13334,10 @@
         </p:nvSpPr>
         <p:spPr/>
         <p:txBody>
-          <a:bodyPr/>
-          <a:lstStyle/>
-          <a:p>
-            <a:r>
-              <a:rPr lang="zh-TW" altLang="en-US" dirty="0"/>
-              <a:t>隨便新增一個 </a:t>
-            </a:r>
-            <a:r>
-              <a:rPr lang="en-US" altLang="zh-TW" dirty="0"/>
-              <a:t>txt </a:t>
-            </a:r>
-            <a:r>
-              <a:rPr lang="zh-TW" altLang="en-US" dirty="0"/>
-              <a:t>檔到資料夾中</a:t>
-            </a:r>
-            <a:endParaRPr lang="en-US" altLang="zh-TW" dirty="0"/>
-          </a:p>
-          <a:p>
-            <a:endParaRPr lang="en-US" altLang="zh-TW" dirty="0"/>
-          </a:p>
-          <a:p>
-            <a:r>
-              <a:rPr lang="zh-TW" altLang="en-US" dirty="0"/>
-              <a:t>或 隨便加個 </a:t>
-            </a:r>
-            <a:r>
-              <a:rPr lang="en-US" altLang="zh-TW" dirty="0"/>
-              <a:t># </a:t>
-            </a:r>
-            <a:r>
-              <a:rPr lang="zh-TW" altLang="en-US" dirty="0"/>
-              <a:t>註解 到檔案中</a:t>
-            </a:r>
-            <a:endParaRPr lang="en-US" altLang="zh-TW" dirty="0"/>
-          </a:p>
-          <a:p>
-            <a:endParaRPr lang="en-US" altLang="zh-TW" dirty="0"/>
-          </a:p>
+          <a:bodyPr>
+            <a:normAutofit/>
+          </a:bodyPr>
+          <a:lstStyle/>
           <a:p>
             <a:r>
               <a:rPr lang="en-US" altLang="zh-TW" dirty="0"/>
@@ -13327,7 +13347,7 @@
           <a:p>
             <a:r>
               <a:rPr lang="en-US" altLang="zh-TW" dirty="0"/>
-              <a:t>git commit –m "test“</a:t>
+              <a:t>git commit –m "test"</a:t>
             </a:r>
           </a:p>
           <a:p>
@@ -13335,6 +13355,86 @@
               <a:rPr lang="en-US" altLang="zh-TW" dirty="0"/>
               <a:t>git push</a:t>
             </a:r>
+          </a:p>
+          <a:p>
+            <a:pPr marL="0" indent="0">
+              <a:buNone/>
+            </a:pPr>
+            <a:endParaRPr lang="en-US" altLang="zh-TW" dirty="0"/>
+          </a:p>
+          <a:p>
+            <a:r>
+              <a:rPr lang="zh-TW" altLang="en-US" dirty="0"/>
+              <a:t>只要</a:t>
+            </a:r>
+            <a:r>
+              <a:rPr lang="en-US" altLang="zh-TW" dirty="0"/>
+              <a:t>push</a:t>
+            </a:r>
+            <a:r>
+              <a:rPr lang="zh-TW" altLang="en-US" dirty="0"/>
+              <a:t>後</a:t>
+            </a:r>
+            <a:br>
+              <a:rPr lang="en-US" altLang="zh-TW" dirty="0"/>
+            </a:br>
+            <a:r>
+              <a:rPr lang="en-US" altLang="zh-TW" dirty="0"/>
+              <a:t>Travis</a:t>
+            </a:r>
+            <a:r>
+              <a:rPr lang="zh-TW" altLang="en-US" dirty="0"/>
+              <a:t> </a:t>
+            </a:r>
+            <a:r>
+              <a:rPr lang="en-US" altLang="zh-TW" dirty="0"/>
+              <a:t>CI</a:t>
+            </a:r>
+            <a:r>
+              <a:rPr lang="zh-TW" altLang="en-US" dirty="0"/>
+              <a:t>偵測到 </a:t>
+            </a:r>
+            <a:r>
+              <a:rPr lang="en-US" altLang="zh-TW" dirty="0"/>
+              <a:t>GitHub</a:t>
+            </a:r>
+            <a:r>
+              <a:rPr lang="zh-TW" altLang="en-US" dirty="0"/>
+              <a:t>有更新</a:t>
+            </a:r>
+            <a:br>
+              <a:rPr lang="en-US" altLang="zh-TW" dirty="0"/>
+            </a:br>
+            <a:r>
+              <a:rPr lang="zh-TW" altLang="en-US" dirty="0"/>
+              <a:t>就會自動</a:t>
+            </a:r>
+            <a:r>
+              <a:rPr lang="en-US" altLang="zh-TW" dirty="0"/>
+              <a:t>build</a:t>
+            </a:r>
+            <a:r>
+              <a:rPr lang="zh-TW" altLang="en-US" dirty="0"/>
+              <a:t>一個</a:t>
+            </a:r>
+            <a:r>
+              <a:rPr lang="en-US" altLang="zh-TW" dirty="0"/>
+              <a:t>Server Image</a:t>
+            </a:r>
+            <a:br>
+              <a:rPr lang="en-US" altLang="zh-TW" dirty="0"/>
+            </a:br>
+            <a:r>
+              <a:rPr lang="zh-TW" altLang="en-US" dirty="0"/>
+              <a:t>然後部屬到 </a:t>
+            </a:r>
+            <a:r>
+              <a:rPr lang="en-US" altLang="zh-TW" dirty="0"/>
+              <a:t>Heroku</a:t>
+            </a:r>
+          </a:p>
+          <a:p>
+            <a:endParaRPr lang="en-US" altLang="zh-TW" dirty="0"/>
           </a:p>
           <a:p>
             <a:endParaRPr lang="zh-TW" altLang="en-US" dirty="0"/>
@@ -13373,7 +13473,7 @@
     </p:spTree>
     <p:extLst>
       <p:ext uri="{BB962C8B-B14F-4D97-AF65-F5344CB8AC3E}">
-        <p14:creationId xmlns:p14="http://schemas.microsoft.com/office/powerpoint/2010/main" val="1907994295"/>
+        <p14:creationId xmlns:p14="http://schemas.microsoft.com/office/powerpoint/2010/main" val="4055306815"/>
       </p:ext>
     </p:extLst>
   </p:cSld>
@@ -13614,6 +13714,18 @@
 <file path=ppt/slides/slide42.xml><?xml version="1.0" encoding="utf-8"?>
 <p:sld xmlns:a="http://schemas.openxmlformats.org/drawingml/2006/main" xmlns:r="http://schemas.openxmlformats.org/officeDocument/2006/relationships" xmlns:p="http://schemas.openxmlformats.org/presentationml/2006/main">
   <p:cSld>
+    <p:bg>
+      <p:bgPr>
+        <a:solidFill>
+          <a:schemeClr val="tx1">
+            <a:lumMod val="95000"/>
+            <a:lumOff val="5000"/>
+            <a:alpha val="70000"/>
+          </a:schemeClr>
+        </a:solidFill>
+        <a:effectLst/>
+      </p:bgPr>
+    </p:bg>
     <p:spTree>
       <p:nvGrpSpPr>
         <p:cNvPr id="1" name=""/>
@@ -13633,7 +13745,7 @@
           <p:cNvPr id="2" name="標題 1">
             <a:extLst>
               <a:ext uri="{FF2B5EF4-FFF2-40B4-BE49-F238E27FC236}">
-                <a16:creationId xmlns:a16="http://schemas.microsoft.com/office/drawing/2014/main" id="{985FB74F-C34E-43C3-B198-98785D0D6740}"/>
+                <a16:creationId xmlns:a16="http://schemas.microsoft.com/office/drawing/2014/main" id="{F22726AA-7613-48FF-944B-D5F4F66270EC}"/>
               </a:ext>
             </a:extLst>
           </p:cNvPr>
@@ -13650,381 +13762,174 @@
           <a:lstStyle/>
           <a:p>
             <a:r>
-              <a:rPr lang="zh-TW" altLang="en-US" dirty="0"/>
-              <a:t>參考 </a:t>
-            </a:r>
-            <a:r>
-              <a:rPr lang="en-US" altLang="zh-TW" dirty="0"/>
-              <a:t>+ </a:t>
-            </a:r>
-            <a:r>
-              <a:rPr lang="zh-TW" altLang="en-US" dirty="0"/>
-              <a:t>延伸閱讀</a:t>
-            </a:r>
-          </a:p>
-        </p:txBody>
-      </p:sp>
-      <p:sp>
-        <p:nvSpPr>
-          <p:cNvPr id="3" name="內容版面配置區 2">
-            <a:extLst>
-              <a:ext uri="{FF2B5EF4-FFF2-40B4-BE49-F238E27FC236}">
-                <a16:creationId xmlns:a16="http://schemas.microsoft.com/office/drawing/2014/main" id="{DCF7C52F-996B-473E-BC95-7C313CD0C853}"/>
-              </a:ext>
-            </a:extLst>
-          </p:cNvPr>
-          <p:cNvSpPr>
-            <a:spLocks noGrp="1"/>
-          </p:cNvSpPr>
-          <p:nvPr>
-            <p:ph idx="1"/>
-          </p:nvPr>
-        </p:nvSpPr>
-        <p:spPr/>
-        <p:txBody>
-          <a:bodyPr>
-            <a:normAutofit/>
-          </a:bodyPr>
-          <a:lstStyle/>
-          <a:p>
-            <a:r>
-              <a:rPr lang="en-US" altLang="zh-TW" sz="1800" dirty="0">
-                <a:hlinkClick r:id="rId2"/>
-              </a:rPr>
-              <a:t>https://ithelp.ithome.com.tw/articles/10219083</a:t>
-            </a:r>
-            <a:endParaRPr lang="zh-TW" altLang="en-US" sz="1800" b="0" i="0" dirty="0">
+              <a:rPr lang="zh-TW" altLang="en-US" dirty="0">
+                <a:solidFill>
+                  <a:schemeClr val="bg1"/>
+                </a:solidFill>
+              </a:rPr>
+              <a:t>到 </a:t>
+            </a:r>
+            <a:r>
+              <a:rPr lang="en-US" altLang="zh-TW" dirty="0">
+                <a:solidFill>
+                  <a:schemeClr val="bg1"/>
+                </a:solidFill>
+              </a:rPr>
+              <a:t>Heroku </a:t>
+            </a:r>
+            <a:r>
+              <a:rPr lang="zh-TW" altLang="en-US" dirty="0">
+                <a:solidFill>
+                  <a:schemeClr val="bg1"/>
+                </a:solidFill>
+              </a:rPr>
+              <a:t>打開</a:t>
+            </a:r>
+            <a:r>
+              <a:rPr lang="en-US" altLang="zh-TW" dirty="0">
+                <a:solidFill>
+                  <a:schemeClr val="bg1"/>
+                </a:solidFill>
+              </a:rPr>
+              <a:t>APP</a:t>
+            </a:r>
+            <a:r>
+              <a:rPr lang="zh-TW" altLang="en-US" dirty="0">
+                <a:solidFill>
+                  <a:schemeClr val="bg1"/>
+                </a:solidFill>
+              </a:rPr>
+              <a:t>看看結果</a:t>
+            </a:r>
+          </a:p>
+        </p:txBody>
+      </p:sp>
+      <p:sp>
+        <p:nvSpPr>
+          <p:cNvPr id="3" name="文字版面配置區 2">
+            <a:extLst>
+              <a:ext uri="{FF2B5EF4-FFF2-40B4-BE49-F238E27FC236}">
+                <a16:creationId xmlns:a16="http://schemas.microsoft.com/office/drawing/2014/main" id="{B72A05A9-4FC2-4B18-8677-F123E6029ADF}"/>
+              </a:ext>
+            </a:extLst>
+          </p:cNvPr>
+          <p:cNvSpPr>
+            <a:spLocks noGrp="1"/>
+          </p:cNvSpPr>
+          <p:nvPr>
+            <p:ph type="body" idx="1"/>
+          </p:nvPr>
+        </p:nvSpPr>
+        <p:spPr/>
+        <p:txBody>
+          <a:bodyPr/>
+          <a:lstStyle/>
+          <a:p>
+            <a:endParaRPr lang="zh-TW" altLang="en-US" dirty="0">
               <a:solidFill>
-                <a:srgbClr val="494E52"/>
+                <a:schemeClr val="accent4"/>
+              </a:solidFill>
+            </a:endParaRPr>
+          </a:p>
+        </p:txBody>
+      </p:sp>
+      <p:sp>
+        <p:nvSpPr>
+          <p:cNvPr id="4" name="投影片編號版面配置區 3">
+            <a:extLst>
+              <a:ext uri="{FF2B5EF4-FFF2-40B4-BE49-F238E27FC236}">
+                <a16:creationId xmlns:a16="http://schemas.microsoft.com/office/drawing/2014/main" id="{FA24DA50-EB7A-4611-AA3E-CC9CB6F977A4}"/>
+              </a:ext>
+            </a:extLst>
+          </p:cNvPr>
+          <p:cNvSpPr>
+            <a:spLocks noGrp="1"/>
+          </p:cNvSpPr>
+          <p:nvPr>
+            <p:ph type="sldNum" sz="quarter" idx="12"/>
+          </p:nvPr>
+        </p:nvSpPr>
+        <p:spPr/>
+        <p:txBody>
+          <a:bodyPr/>
+          <a:lstStyle/>
+          <a:p>
+            <a:pPr marL="0" marR="0" lvl="0" indent="0" algn="r" defTabSz="914400" rtl="0" eaLnBrk="1" fontAlgn="auto" latinLnBrk="0" hangingPunct="1">
+              <a:lnSpc>
+                <a:spcPct val="100000"/>
+              </a:lnSpc>
+              <a:spcBef>
+                <a:spcPts val="0"/>
+              </a:spcBef>
+              <a:spcAft>
+                <a:spcPts val="0"/>
+              </a:spcAft>
+              <a:buClrTx/>
+              <a:buSzTx/>
+              <a:buFontTx/>
+              <a:buNone/>
+              <a:tabLst/>
+              <a:defRPr/>
+            </a:pPr>
+            <a:fld id="{75E47052-7B09-43AD-91E3-B0B6BEE9451F}" type="slidenum">
+              <a:rPr kumimoji="0" lang="zh-TW" altLang="en-US" sz="1500" b="0" i="0" u="none" strike="noStrike" kern="1200" cap="none" spc="0" normalizeH="0" baseline="0" noProof="0" smtClean="0">
+                <a:ln>
+                  <a:noFill/>
+                </a:ln>
+                <a:solidFill>
+                  <a:prstClr val="black">
+                    <a:tint val="75000"/>
+                  </a:prstClr>
+                </a:solidFill>
+                <a:effectLst/>
+                <a:uLnTx/>
+                <a:uFillTx/>
+                <a:latin typeface="Arial"/>
+                <a:ea typeface="微軟正黑體"/>
+                <a:cs typeface="+mn-cs"/>
+              </a:rPr>
+              <a:pPr marL="0" marR="0" lvl="0" indent="0" algn="r" defTabSz="914400" rtl="0" eaLnBrk="1" fontAlgn="auto" latinLnBrk="0" hangingPunct="1">
+                <a:lnSpc>
+                  <a:spcPct val="100000"/>
+                </a:lnSpc>
+                <a:spcBef>
+                  <a:spcPts val="0"/>
+                </a:spcBef>
+                <a:spcAft>
+                  <a:spcPts val="0"/>
+                </a:spcAft>
+                <a:buClrTx/>
+                <a:buSzTx/>
+                <a:buFontTx/>
+                <a:buNone/>
+                <a:tabLst/>
+                <a:defRPr/>
+              </a:pPr>
+              <a:t>42</a:t>
+            </a:fld>
+            <a:endParaRPr kumimoji="0" lang="zh-TW" altLang="en-US" sz="1500" b="0" i="0" u="none" strike="noStrike" kern="1200" cap="none" spc="0" normalizeH="0" baseline="0" noProof="0">
+              <a:ln>
+                <a:noFill/>
+              </a:ln>
+              <a:solidFill>
+                <a:prstClr val="black">
+                  <a:tint val="75000"/>
+                </a:prstClr>
               </a:solidFill>
               <a:effectLst/>
-              <a:latin typeface="-apple-system"/>
+              <a:uLnTx/>
+              <a:uFillTx/>
+              <a:latin typeface="Arial"/>
+              <a:ea typeface="微軟正黑體"/>
+              <a:cs typeface="+mn-cs"/>
             </a:endParaRPr>
-          </a:p>
-          <a:p>
-            <a:r>
-              <a:rPr lang="en-US" altLang="zh-TW" sz="1800" b="0" i="0" dirty="0">
-                <a:effectLst/>
-                <a:latin typeface="-apple-system"/>
-              </a:rPr>
-              <a:t>Git Flow </a:t>
-            </a:r>
-            <a:r>
-              <a:rPr lang="zh-TW" altLang="en-US" sz="1800" b="0" i="0" dirty="0">
-                <a:effectLst/>
-                <a:latin typeface="-apple-system"/>
-              </a:rPr>
-              <a:t>是什麼？為什麼需要這種東西？</a:t>
-            </a:r>
-            <a:br>
-              <a:rPr lang="en-US" altLang="zh-TW" sz="1800" b="0" i="0" dirty="0">
-                <a:effectLst/>
-                <a:latin typeface="-apple-system"/>
-              </a:rPr>
-            </a:br>
-            <a:r>
-              <a:rPr lang="en-US" altLang="zh-TW" sz="1800" dirty="0">
-                <a:solidFill>
-                  <a:srgbClr val="0563C1"/>
-                </a:solidFill>
-                <a:hlinkClick r:id="rId3">
-                  <a:extLst>
-                    <a:ext uri="{A12FA001-AC4F-418D-AE19-62706E023703}">
-                      <ahyp:hlinkClr xmlns:ahyp="http://schemas.microsoft.com/office/drawing/2018/hyperlinkcolor" val="tx"/>
-                    </a:ext>
-                  </a:extLst>
-                </a:hlinkClick>
-              </a:rPr>
-              <a:t>https://gitbook.tw/chapters/gitflow/why-need-git-flow.html</a:t>
-            </a:r>
-            <a:endParaRPr lang="en-US" altLang="zh-TW" sz="1800" dirty="0">
-              <a:hlinkClick r:id="rId3">
-                <a:extLst>
-                  <a:ext uri="{A12FA001-AC4F-418D-AE19-62706E023703}">
-                    <ahyp:hlinkClr xmlns:ahyp="http://schemas.microsoft.com/office/drawing/2018/hyperlinkcolor" val="tx"/>
-                  </a:ext>
-                </a:extLst>
-              </a:hlinkClick>
-            </a:endParaRPr>
-          </a:p>
-          <a:p>
-            <a:r>
-              <a:rPr lang="zh-TW" altLang="zh-TW" sz="1800" kern="100" dirty="0">
-                <a:effectLst/>
-                <a:latin typeface="Times New Roman" panose="02020603050405020304" pitchFamily="18" charset="0"/>
-                <a:ea typeface="標楷體" panose="03000509000000000000" pitchFamily="65" charset="-120"/>
-                <a:cs typeface="Times New Roman" panose="02020603050405020304" pitchFamily="18" charset="0"/>
-              </a:rPr>
-              <a:t>站在</a:t>
-            </a:r>
-            <a:r>
-              <a:rPr lang="en-US" altLang="zh-TW" sz="1800" kern="100" dirty="0">
-                <a:effectLst/>
-                <a:latin typeface="Times New Roman" panose="02020603050405020304" pitchFamily="18" charset="0"/>
-                <a:ea typeface="標楷體" panose="03000509000000000000" pitchFamily="65" charset="-120"/>
-                <a:cs typeface="Times New Roman" panose="02020603050405020304" pitchFamily="18" charset="0"/>
-              </a:rPr>
-              <a:t> Docker </a:t>
-            </a:r>
-            <a:r>
-              <a:rPr lang="zh-TW" altLang="zh-TW" sz="1800" kern="100" dirty="0">
-                <a:effectLst/>
-                <a:latin typeface="Times New Roman" panose="02020603050405020304" pitchFamily="18" charset="0"/>
-                <a:ea typeface="標楷體" panose="03000509000000000000" pitchFamily="65" charset="-120"/>
-                <a:cs typeface="Times New Roman" panose="02020603050405020304" pitchFamily="18" charset="0"/>
-              </a:rPr>
-              <a:t>的肩膀上，部署任何語言的</a:t>
-            </a:r>
-            <a:r>
-              <a:rPr lang="en-US" altLang="zh-TW" sz="1800" kern="100" dirty="0">
-                <a:effectLst/>
-                <a:latin typeface="Times New Roman" panose="02020603050405020304" pitchFamily="18" charset="0"/>
-                <a:ea typeface="標楷體" panose="03000509000000000000" pitchFamily="65" charset="-120"/>
-                <a:cs typeface="Times New Roman" panose="02020603050405020304" pitchFamily="18" charset="0"/>
-              </a:rPr>
-              <a:t> Web </a:t>
-            </a:r>
-            <a:r>
-              <a:rPr lang="zh-TW" altLang="zh-TW" sz="1800" kern="100" dirty="0">
-                <a:effectLst/>
-                <a:latin typeface="Times New Roman" panose="02020603050405020304" pitchFamily="18" charset="0"/>
-                <a:ea typeface="標楷體" panose="03000509000000000000" pitchFamily="65" charset="-120"/>
-                <a:cs typeface="Times New Roman" panose="02020603050405020304" pitchFamily="18" charset="0"/>
-              </a:rPr>
-              <a:t>應用到</a:t>
-            </a:r>
-            <a:r>
-              <a:rPr lang="en-US" altLang="zh-TW" sz="1800" kern="100" dirty="0">
-                <a:effectLst/>
-                <a:latin typeface="Times New Roman" panose="02020603050405020304" pitchFamily="18" charset="0"/>
-                <a:ea typeface="標楷體" panose="03000509000000000000" pitchFamily="65" charset="-120"/>
-                <a:cs typeface="Times New Roman" panose="02020603050405020304" pitchFamily="18" charset="0"/>
-              </a:rPr>
-              <a:t> Heroku</a:t>
-            </a:r>
-            <a:br>
-              <a:rPr lang="en-US" altLang="zh-TW" sz="1800" kern="100" dirty="0">
-                <a:effectLst/>
-                <a:latin typeface="Times New Roman" panose="02020603050405020304" pitchFamily="18" charset="0"/>
-                <a:ea typeface="標楷體" panose="03000509000000000000" pitchFamily="65" charset="-120"/>
-                <a:cs typeface="Times New Roman" panose="02020603050405020304" pitchFamily="18" charset="0"/>
-              </a:rPr>
-            </a:br>
-            <a:r>
-              <a:rPr lang="en-US" altLang="zh-TW" sz="1800" kern="100" dirty="0">
-                <a:effectLst/>
-                <a:latin typeface="Times New Roman" panose="02020603050405020304" pitchFamily="18" charset="0"/>
-                <a:ea typeface="標楷體" panose="03000509000000000000" pitchFamily="65" charset="-120"/>
-                <a:cs typeface="Times New Roman" panose="02020603050405020304" pitchFamily="18" charset="0"/>
-                <a:hlinkClick r:id="rId4"/>
-              </a:rPr>
-              <a:t>https://medium.com/starbugs/deploy-any-web-application-to-heroku-with-docker-b64b9b0eb93</a:t>
-            </a:r>
-            <a:endParaRPr lang="zh-TW" altLang="zh-TW" sz="1800" kern="100" dirty="0">
-              <a:effectLst/>
-              <a:latin typeface="Calibri" panose="020F0502020204030204" pitchFamily="34" charset="0"/>
-              <a:ea typeface="新細明體" panose="02020500000000000000" pitchFamily="18" charset="-120"/>
-              <a:cs typeface="Times New Roman" panose="02020603050405020304" pitchFamily="18" charset="0"/>
-            </a:endParaRPr>
-          </a:p>
-          <a:p>
-            <a:r>
-              <a:rPr lang="en-US" altLang="zh-TW" sz="1800" kern="100" dirty="0">
-                <a:effectLst/>
-                <a:latin typeface="Times New Roman" panose="02020603050405020304" pitchFamily="18" charset="0"/>
-                <a:ea typeface="標楷體" panose="03000509000000000000" pitchFamily="65" charset="-120"/>
-                <a:cs typeface="Times New Roman" panose="02020603050405020304" pitchFamily="18" charset="0"/>
-              </a:rPr>
-              <a:t>Container Registry &amp; Runtime (Docker Deploys)</a:t>
-            </a:r>
-            <a:br>
-              <a:rPr lang="en-US" altLang="zh-TW" sz="1800" kern="100" dirty="0">
-                <a:effectLst/>
-                <a:latin typeface="Times New Roman" panose="02020603050405020304" pitchFamily="18" charset="0"/>
-                <a:ea typeface="標楷體" panose="03000509000000000000" pitchFamily="65" charset="-120"/>
-                <a:cs typeface="Times New Roman" panose="02020603050405020304" pitchFamily="18" charset="0"/>
-              </a:rPr>
-            </a:br>
-            <a:r>
-              <a:rPr lang="en-US" altLang="zh-TW" sz="1800" kern="100" dirty="0">
-                <a:effectLst/>
-                <a:latin typeface="Times New Roman" panose="02020603050405020304" pitchFamily="18" charset="0"/>
-                <a:ea typeface="標楷體" panose="03000509000000000000" pitchFamily="65" charset="-120"/>
-                <a:cs typeface="Times New Roman" panose="02020603050405020304" pitchFamily="18" charset="0"/>
-                <a:hlinkClick r:id="rId5"/>
-              </a:rPr>
-              <a:t>https://devcenter.heroku.com/articles/container-registry-and-runtime#using-a-ci-cd-platform</a:t>
-            </a:r>
-            <a:endParaRPr lang="zh-TW" altLang="zh-TW" sz="1800" kern="100" dirty="0">
-              <a:effectLst/>
-              <a:latin typeface="Calibri" panose="020F0502020204030204" pitchFamily="34" charset="0"/>
-              <a:ea typeface="新細明體" panose="02020500000000000000" pitchFamily="18" charset="-120"/>
-              <a:cs typeface="Times New Roman" panose="02020603050405020304" pitchFamily="18" charset="0"/>
-            </a:endParaRPr>
-          </a:p>
-          <a:p>
-            <a:r>
-              <a:rPr lang="en-US" altLang="zh-TW" sz="1800" kern="100" dirty="0">
-                <a:effectLst/>
-                <a:latin typeface="Times New Roman" panose="02020603050405020304" pitchFamily="18" charset="0"/>
-                <a:ea typeface="標楷體" panose="03000509000000000000" pitchFamily="65" charset="-120"/>
-                <a:cs typeface="Times New Roman" panose="02020603050405020304" pitchFamily="18" charset="0"/>
-              </a:rPr>
-              <a:t>Script "</a:t>
-            </a:r>
-            <a:r>
-              <a:rPr lang="en-US" altLang="zh-TW" sz="1800" kern="100" dirty="0" err="1">
-                <a:effectLst/>
-                <a:latin typeface="Times New Roman" panose="02020603050405020304" pitchFamily="18" charset="0"/>
-                <a:ea typeface="標楷體" panose="03000509000000000000" pitchFamily="65" charset="-120"/>
-                <a:cs typeface="Times New Roman" panose="02020603050405020304" pitchFamily="18" charset="0"/>
-              </a:rPr>
-              <a:t>heroku</a:t>
-            </a:r>
-            <a:r>
-              <a:rPr lang="en-US" altLang="zh-TW" sz="1800" kern="100" dirty="0">
-                <a:effectLst/>
-                <a:latin typeface="Times New Roman" panose="02020603050405020304" pitchFamily="18" charset="0"/>
-                <a:ea typeface="標楷體" panose="03000509000000000000" pitchFamily="65" charset="-120"/>
-                <a:cs typeface="Times New Roman" panose="02020603050405020304" pitchFamily="18" charset="0"/>
-              </a:rPr>
-              <a:t> login" in a CI environment (</a:t>
-            </a:r>
-            <a:r>
-              <a:rPr lang="zh-TW" altLang="zh-TW" sz="1800" kern="100" dirty="0">
-                <a:effectLst/>
-                <a:latin typeface="Times New Roman" panose="02020603050405020304" pitchFamily="18" charset="0"/>
-                <a:ea typeface="標楷體" panose="03000509000000000000" pitchFamily="65" charset="-120"/>
-                <a:cs typeface="Times New Roman" panose="02020603050405020304" pitchFamily="18" charset="0"/>
-              </a:rPr>
-              <a:t>講解把</a:t>
-            </a:r>
-            <a:r>
-              <a:rPr lang="en-US" altLang="zh-TW" sz="1800" kern="100" dirty="0" err="1">
-                <a:effectLst/>
-                <a:latin typeface="Times New Roman" panose="02020603050405020304" pitchFamily="18" charset="0"/>
-                <a:ea typeface="標楷體" panose="03000509000000000000" pitchFamily="65" charset="-120"/>
-                <a:cs typeface="Times New Roman" panose="02020603050405020304" pitchFamily="18" charset="0"/>
-              </a:rPr>
-              <a:t>heroku</a:t>
-            </a:r>
-            <a:r>
-              <a:rPr lang="en-US" altLang="zh-TW" sz="1800" kern="100" dirty="0">
-                <a:effectLst/>
-                <a:latin typeface="Times New Roman" panose="02020603050405020304" pitchFamily="18" charset="0"/>
-                <a:ea typeface="標楷體" panose="03000509000000000000" pitchFamily="65" charset="-120"/>
-                <a:cs typeface="Times New Roman" panose="02020603050405020304" pitchFamily="18" charset="0"/>
-              </a:rPr>
-              <a:t> </a:t>
-            </a:r>
-            <a:r>
-              <a:rPr lang="en-US" altLang="zh-TW" sz="1800" kern="100" dirty="0" err="1">
-                <a:effectLst/>
-                <a:latin typeface="Times New Roman" panose="02020603050405020304" pitchFamily="18" charset="0"/>
-                <a:ea typeface="標楷體" panose="03000509000000000000" pitchFamily="65" charset="-120"/>
-                <a:cs typeface="Times New Roman" panose="02020603050405020304" pitchFamily="18" charset="0"/>
-              </a:rPr>
-              <a:t>api</a:t>
-            </a:r>
-            <a:r>
-              <a:rPr lang="en-US" altLang="zh-TW" sz="1800" kern="100" dirty="0">
-                <a:effectLst/>
-                <a:latin typeface="Times New Roman" panose="02020603050405020304" pitchFamily="18" charset="0"/>
-                <a:ea typeface="標楷體" panose="03000509000000000000" pitchFamily="65" charset="-120"/>
-                <a:cs typeface="Times New Roman" panose="02020603050405020304" pitchFamily="18" charset="0"/>
-              </a:rPr>
-              <a:t> key</a:t>
-            </a:r>
-            <a:r>
-              <a:rPr lang="zh-TW" altLang="zh-TW" sz="1800" kern="100" dirty="0">
-                <a:effectLst/>
-                <a:latin typeface="Times New Roman" panose="02020603050405020304" pitchFamily="18" charset="0"/>
-                <a:ea typeface="標楷體" panose="03000509000000000000" pitchFamily="65" charset="-120"/>
-                <a:cs typeface="Times New Roman" panose="02020603050405020304" pitchFamily="18" charset="0"/>
-              </a:rPr>
-              <a:t>設置到哪個環境變數後，就能不用帳密登入</a:t>
-            </a:r>
-            <a:r>
-              <a:rPr lang="en-US" altLang="zh-TW" sz="1800" kern="100" dirty="0" err="1">
-                <a:effectLst/>
-                <a:latin typeface="Times New Roman" panose="02020603050405020304" pitchFamily="18" charset="0"/>
-                <a:ea typeface="標楷體" panose="03000509000000000000" pitchFamily="65" charset="-120"/>
-                <a:cs typeface="Times New Roman" panose="02020603050405020304" pitchFamily="18" charset="0"/>
-              </a:rPr>
-              <a:t>heroku</a:t>
-            </a:r>
-            <a:r>
-              <a:rPr lang="en-US" altLang="zh-TW" sz="1800" kern="100" dirty="0">
-                <a:effectLst/>
-                <a:latin typeface="Times New Roman" panose="02020603050405020304" pitchFamily="18" charset="0"/>
-                <a:ea typeface="標楷體" panose="03000509000000000000" pitchFamily="65" charset="-120"/>
-                <a:cs typeface="Times New Roman" panose="02020603050405020304" pitchFamily="18" charset="0"/>
-              </a:rPr>
-              <a:t>)</a:t>
-            </a:r>
-            <a:br>
-              <a:rPr lang="en-US" altLang="zh-TW" sz="1800" kern="100" dirty="0">
-                <a:effectLst/>
-                <a:latin typeface="Times New Roman" panose="02020603050405020304" pitchFamily="18" charset="0"/>
-                <a:ea typeface="標楷體" panose="03000509000000000000" pitchFamily="65" charset="-120"/>
-                <a:cs typeface="Times New Roman" panose="02020603050405020304" pitchFamily="18" charset="0"/>
-              </a:rPr>
-            </a:br>
-            <a:r>
-              <a:rPr lang="en-US" altLang="zh-TW" sz="1800" kern="100" dirty="0">
-                <a:effectLst/>
-                <a:latin typeface="Times New Roman" panose="02020603050405020304" pitchFamily="18" charset="0"/>
-                <a:ea typeface="標楷體" panose="03000509000000000000" pitchFamily="65" charset="-120"/>
-                <a:cs typeface="Times New Roman" panose="02020603050405020304" pitchFamily="18" charset="0"/>
-                <a:hlinkClick r:id="rId6"/>
-              </a:rPr>
-              <a:t>https://stackoverflow.com/questions/39554697/script-heroku-login-in-a-ci-environment</a:t>
-            </a:r>
-            <a:endParaRPr lang="en-US" altLang="zh-TW" sz="1800" kern="100" dirty="0">
-              <a:effectLst/>
-              <a:latin typeface="Times New Roman" panose="02020603050405020304" pitchFamily="18" charset="0"/>
-              <a:ea typeface="標楷體" panose="03000509000000000000" pitchFamily="65" charset="-120"/>
-              <a:cs typeface="Times New Roman" panose="02020603050405020304" pitchFamily="18" charset="0"/>
-            </a:endParaRPr>
-          </a:p>
-          <a:p>
-            <a:endParaRPr lang="en-US" altLang="zh-TW" sz="1800" dirty="0"/>
-          </a:p>
-        </p:txBody>
-      </p:sp>
-      <p:sp>
-        <p:nvSpPr>
-          <p:cNvPr id="4" name="投影片編號版面配置區 3">
-            <a:extLst>
-              <a:ext uri="{FF2B5EF4-FFF2-40B4-BE49-F238E27FC236}">
-                <a16:creationId xmlns:a16="http://schemas.microsoft.com/office/drawing/2014/main" id="{61A6E238-30B5-4031-8358-77EC5CBECF54}"/>
-              </a:ext>
-            </a:extLst>
-          </p:cNvPr>
-          <p:cNvSpPr>
-            <a:spLocks noGrp="1"/>
-          </p:cNvSpPr>
-          <p:nvPr>
-            <p:ph type="sldNum" sz="quarter" idx="12"/>
-          </p:nvPr>
-        </p:nvSpPr>
-        <p:spPr/>
-        <p:txBody>
-          <a:bodyPr/>
-          <a:lstStyle/>
-          <a:p>
-            <a:fld id="{75E47052-7B09-43AD-91E3-B0B6BEE9451F}" type="slidenum">
-              <a:rPr lang="zh-TW" altLang="en-US" smtClean="0"/>
-              <a:t>42</a:t>
-            </a:fld>
-            <a:endParaRPr lang="zh-TW" altLang="en-US"/>
           </a:p>
         </p:txBody>
       </p:sp>
     </p:spTree>
     <p:extLst>
       <p:ext uri="{BB962C8B-B14F-4D97-AF65-F5344CB8AC3E}">
-        <p14:creationId xmlns:p14="http://schemas.microsoft.com/office/powerpoint/2010/main" val="978250045"/>
+        <p14:creationId xmlns:p14="http://schemas.microsoft.com/office/powerpoint/2010/main" val="3006785194"/>
       </p:ext>
     </p:extLst>
   </p:cSld>
@@ -14072,7 +13977,18 @@
           <a:bodyPr/>
           <a:lstStyle/>
           <a:p>
-            <a:endParaRPr lang="zh-TW" altLang="en-US"/>
+            <a:r>
+              <a:rPr lang="zh-TW" altLang="en-US" dirty="0"/>
+              <a:t>參考 </a:t>
+            </a:r>
+            <a:r>
+              <a:rPr lang="en-US" altLang="zh-TW" dirty="0"/>
+              <a:t>+ </a:t>
+            </a:r>
+            <a:r>
+              <a:rPr lang="zh-TW" altLang="en-US" dirty="0"/>
+              <a:t>延伸閱讀</a:t>
+            </a:r>
           </a:p>
         </p:txBody>
       </p:sp>
@@ -14094,10 +14010,313 @@
         </p:nvSpPr>
         <p:spPr/>
         <p:txBody>
-          <a:bodyPr/>
-          <a:lstStyle/>
-          <a:p>
-            <a:endParaRPr lang="zh-TW" altLang="en-US"/>
+          <a:bodyPr>
+            <a:normAutofit/>
+          </a:bodyPr>
+          <a:lstStyle/>
+          <a:p>
+            <a:r>
+              <a:rPr lang="en-US" altLang="zh-TW" sz="1800" dirty="0">
+                <a:hlinkClick r:id="rId2"/>
+              </a:rPr>
+              <a:t>https://ithelp.ithome.com.tw/articles/10219083</a:t>
+            </a:r>
+            <a:endParaRPr lang="zh-TW" altLang="en-US" sz="1800" b="0" i="0" dirty="0">
+              <a:solidFill>
+                <a:srgbClr val="494E52"/>
+              </a:solidFill>
+              <a:effectLst/>
+              <a:latin typeface="-apple-system"/>
+            </a:endParaRPr>
+          </a:p>
+          <a:p>
+            <a:r>
+              <a:rPr lang="en-US" altLang="zh-TW" sz="1800" b="0" i="0" dirty="0">
+                <a:effectLst/>
+                <a:latin typeface="-apple-system"/>
+              </a:rPr>
+              <a:t>Git Flow </a:t>
+            </a:r>
+            <a:r>
+              <a:rPr lang="zh-TW" altLang="en-US" sz="1800" b="0" i="0" dirty="0">
+                <a:effectLst/>
+                <a:latin typeface="-apple-system"/>
+              </a:rPr>
+              <a:t>是什麼？為什麼需要這種東西？</a:t>
+            </a:r>
+            <a:br>
+              <a:rPr lang="en-US" altLang="zh-TW" sz="1800" b="0" i="0" dirty="0">
+                <a:effectLst/>
+                <a:latin typeface="-apple-system"/>
+              </a:rPr>
+            </a:br>
+            <a:r>
+              <a:rPr lang="en-US" altLang="zh-TW" sz="1800" dirty="0">
+                <a:solidFill>
+                  <a:srgbClr val="0563C1"/>
+                </a:solidFill>
+                <a:hlinkClick r:id="rId3">
+                  <a:extLst>
+                    <a:ext uri="{A12FA001-AC4F-418D-AE19-62706E023703}">
+                      <ahyp:hlinkClr xmlns:ahyp="http://schemas.microsoft.com/office/drawing/2018/hyperlinkcolor" val="tx"/>
+                    </a:ext>
+                  </a:extLst>
+                </a:hlinkClick>
+              </a:rPr>
+              <a:t>https://gitbook.tw/chapters/gitflow/why-need-git-flow.html</a:t>
+            </a:r>
+            <a:endParaRPr lang="en-US" altLang="zh-TW" sz="1800" dirty="0">
+              <a:hlinkClick r:id="rId3">
+                <a:extLst>
+                  <a:ext uri="{A12FA001-AC4F-418D-AE19-62706E023703}">
+                    <ahyp:hlinkClr xmlns:ahyp="http://schemas.microsoft.com/office/drawing/2018/hyperlinkcolor" val="tx"/>
+                  </a:ext>
+                </a:extLst>
+              </a:hlinkClick>
+            </a:endParaRPr>
+          </a:p>
+          <a:p>
+            <a:r>
+              <a:rPr lang="zh-TW" altLang="zh-TW" sz="1800" kern="100" dirty="0">
+                <a:effectLst/>
+                <a:latin typeface="Times New Roman" panose="02020603050405020304" pitchFamily="18" charset="0"/>
+                <a:ea typeface="標楷體" panose="03000509000000000000" pitchFamily="65" charset="-120"/>
+                <a:cs typeface="Times New Roman" panose="02020603050405020304" pitchFamily="18" charset="0"/>
+              </a:rPr>
+              <a:t>站在</a:t>
+            </a:r>
+            <a:r>
+              <a:rPr lang="en-US" altLang="zh-TW" sz="1800" kern="100" dirty="0">
+                <a:effectLst/>
+                <a:latin typeface="Times New Roman" panose="02020603050405020304" pitchFamily="18" charset="0"/>
+                <a:ea typeface="標楷體" panose="03000509000000000000" pitchFamily="65" charset="-120"/>
+                <a:cs typeface="Times New Roman" panose="02020603050405020304" pitchFamily="18" charset="0"/>
+              </a:rPr>
+              <a:t> Docker </a:t>
+            </a:r>
+            <a:r>
+              <a:rPr lang="zh-TW" altLang="zh-TW" sz="1800" kern="100" dirty="0">
+                <a:effectLst/>
+                <a:latin typeface="Times New Roman" panose="02020603050405020304" pitchFamily="18" charset="0"/>
+                <a:ea typeface="標楷體" panose="03000509000000000000" pitchFamily="65" charset="-120"/>
+                <a:cs typeface="Times New Roman" panose="02020603050405020304" pitchFamily="18" charset="0"/>
+              </a:rPr>
+              <a:t>的肩膀上，部署任何語言的</a:t>
+            </a:r>
+            <a:r>
+              <a:rPr lang="en-US" altLang="zh-TW" sz="1800" kern="100" dirty="0">
+                <a:effectLst/>
+                <a:latin typeface="Times New Roman" panose="02020603050405020304" pitchFamily="18" charset="0"/>
+                <a:ea typeface="標楷體" panose="03000509000000000000" pitchFamily="65" charset="-120"/>
+                <a:cs typeface="Times New Roman" panose="02020603050405020304" pitchFamily="18" charset="0"/>
+              </a:rPr>
+              <a:t> Web </a:t>
+            </a:r>
+            <a:r>
+              <a:rPr lang="zh-TW" altLang="zh-TW" sz="1800" kern="100" dirty="0">
+                <a:effectLst/>
+                <a:latin typeface="Times New Roman" panose="02020603050405020304" pitchFamily="18" charset="0"/>
+                <a:ea typeface="標楷體" panose="03000509000000000000" pitchFamily="65" charset="-120"/>
+                <a:cs typeface="Times New Roman" panose="02020603050405020304" pitchFamily="18" charset="0"/>
+              </a:rPr>
+              <a:t>應用到</a:t>
+            </a:r>
+            <a:r>
+              <a:rPr lang="en-US" altLang="zh-TW" sz="1800" kern="100" dirty="0">
+                <a:effectLst/>
+                <a:latin typeface="Times New Roman" panose="02020603050405020304" pitchFamily="18" charset="0"/>
+                <a:ea typeface="標楷體" panose="03000509000000000000" pitchFamily="65" charset="-120"/>
+                <a:cs typeface="Times New Roman" panose="02020603050405020304" pitchFamily="18" charset="0"/>
+              </a:rPr>
+              <a:t> Heroku</a:t>
+            </a:r>
+            <a:br>
+              <a:rPr lang="en-US" altLang="zh-TW" sz="1800" kern="100" dirty="0">
+                <a:effectLst/>
+                <a:latin typeface="Times New Roman" panose="02020603050405020304" pitchFamily="18" charset="0"/>
+                <a:ea typeface="標楷體" panose="03000509000000000000" pitchFamily="65" charset="-120"/>
+                <a:cs typeface="Times New Roman" panose="02020603050405020304" pitchFamily="18" charset="0"/>
+              </a:rPr>
+            </a:br>
+            <a:r>
+              <a:rPr lang="en-US" altLang="zh-TW" sz="1800" kern="100" dirty="0">
+                <a:effectLst/>
+                <a:latin typeface="Times New Roman" panose="02020603050405020304" pitchFamily="18" charset="0"/>
+                <a:ea typeface="標楷體" panose="03000509000000000000" pitchFamily="65" charset="-120"/>
+                <a:cs typeface="Times New Roman" panose="02020603050405020304" pitchFamily="18" charset="0"/>
+                <a:hlinkClick r:id="rId4"/>
+              </a:rPr>
+              <a:t>https://medium.com/starbugs/deploy-any-web-application-to-heroku-with-docker-b64b9b0eb93</a:t>
+            </a:r>
+            <a:endParaRPr lang="zh-TW" altLang="zh-TW" sz="1800" kern="100" dirty="0">
+              <a:effectLst/>
+              <a:latin typeface="Calibri" panose="020F0502020204030204" pitchFamily="34" charset="0"/>
+              <a:ea typeface="新細明體" panose="02020500000000000000" pitchFamily="18" charset="-120"/>
+              <a:cs typeface="Times New Roman" panose="02020603050405020304" pitchFamily="18" charset="0"/>
+            </a:endParaRPr>
+          </a:p>
+          <a:p>
+            <a:r>
+              <a:rPr lang="en-US" altLang="zh-TW" sz="1800" kern="100" dirty="0">
+                <a:effectLst/>
+                <a:latin typeface="Times New Roman" panose="02020603050405020304" pitchFamily="18" charset="0"/>
+                <a:ea typeface="標楷體" panose="03000509000000000000" pitchFamily="65" charset="-120"/>
+                <a:cs typeface="Times New Roman" panose="02020603050405020304" pitchFamily="18" charset="0"/>
+              </a:rPr>
+              <a:t>Container Registry &amp; Runtime (Docker Deploys)</a:t>
+            </a:r>
+            <a:br>
+              <a:rPr lang="en-US" altLang="zh-TW" sz="1800" kern="100" dirty="0">
+                <a:effectLst/>
+                <a:latin typeface="Times New Roman" panose="02020603050405020304" pitchFamily="18" charset="0"/>
+                <a:ea typeface="標楷體" panose="03000509000000000000" pitchFamily="65" charset="-120"/>
+                <a:cs typeface="Times New Roman" panose="02020603050405020304" pitchFamily="18" charset="0"/>
+              </a:rPr>
+            </a:br>
+            <a:r>
+              <a:rPr lang="en-US" altLang="zh-TW" sz="1800" kern="100" dirty="0">
+                <a:effectLst/>
+                <a:latin typeface="Times New Roman" panose="02020603050405020304" pitchFamily="18" charset="0"/>
+                <a:ea typeface="標楷體" panose="03000509000000000000" pitchFamily="65" charset="-120"/>
+                <a:cs typeface="Times New Roman" panose="02020603050405020304" pitchFamily="18" charset="0"/>
+                <a:hlinkClick r:id="rId5"/>
+              </a:rPr>
+              <a:t>https://devcenter.heroku.com/articles/container-registry-and-runtime#using-a-ci-cd-platform</a:t>
+            </a:r>
+            <a:endParaRPr lang="zh-TW" altLang="zh-TW" sz="1800" kern="100" dirty="0">
+              <a:effectLst/>
+              <a:latin typeface="Calibri" panose="020F0502020204030204" pitchFamily="34" charset="0"/>
+              <a:ea typeface="新細明體" panose="02020500000000000000" pitchFamily="18" charset="-120"/>
+              <a:cs typeface="Times New Roman" panose="02020603050405020304" pitchFamily="18" charset="0"/>
+            </a:endParaRPr>
+          </a:p>
+          <a:p>
+            <a:r>
+              <a:rPr lang="en-US" altLang="zh-TW" sz="1800" kern="100" dirty="0">
+                <a:effectLst/>
+                <a:latin typeface="Times New Roman" panose="02020603050405020304" pitchFamily="18" charset="0"/>
+                <a:ea typeface="標楷體" panose="03000509000000000000" pitchFamily="65" charset="-120"/>
+                <a:cs typeface="Times New Roman" panose="02020603050405020304" pitchFamily="18" charset="0"/>
+              </a:rPr>
+              <a:t>Script "</a:t>
+            </a:r>
+            <a:r>
+              <a:rPr lang="en-US" altLang="zh-TW" sz="1800" kern="100" dirty="0" err="1">
+                <a:effectLst/>
+                <a:latin typeface="Times New Roman" panose="02020603050405020304" pitchFamily="18" charset="0"/>
+                <a:ea typeface="標楷體" panose="03000509000000000000" pitchFamily="65" charset="-120"/>
+                <a:cs typeface="Times New Roman" panose="02020603050405020304" pitchFamily="18" charset="0"/>
+              </a:rPr>
+              <a:t>heroku</a:t>
+            </a:r>
+            <a:r>
+              <a:rPr lang="en-US" altLang="zh-TW" sz="1800" kern="100" dirty="0">
+                <a:effectLst/>
+                <a:latin typeface="Times New Roman" panose="02020603050405020304" pitchFamily="18" charset="0"/>
+                <a:ea typeface="標楷體" panose="03000509000000000000" pitchFamily="65" charset="-120"/>
+                <a:cs typeface="Times New Roman" panose="02020603050405020304" pitchFamily="18" charset="0"/>
+              </a:rPr>
+              <a:t> login" in a CI environment (</a:t>
+            </a:r>
+            <a:r>
+              <a:rPr lang="zh-TW" altLang="zh-TW" sz="1800" kern="100" dirty="0">
+                <a:effectLst/>
+                <a:latin typeface="Times New Roman" panose="02020603050405020304" pitchFamily="18" charset="0"/>
+                <a:ea typeface="標楷體" panose="03000509000000000000" pitchFamily="65" charset="-120"/>
+                <a:cs typeface="Times New Roman" panose="02020603050405020304" pitchFamily="18" charset="0"/>
+              </a:rPr>
+              <a:t>講解把</a:t>
+            </a:r>
+            <a:r>
+              <a:rPr lang="en-US" altLang="zh-TW" sz="1800" kern="100" dirty="0" err="1">
+                <a:effectLst/>
+                <a:latin typeface="Times New Roman" panose="02020603050405020304" pitchFamily="18" charset="0"/>
+                <a:ea typeface="標楷體" panose="03000509000000000000" pitchFamily="65" charset="-120"/>
+                <a:cs typeface="Times New Roman" panose="02020603050405020304" pitchFamily="18" charset="0"/>
+              </a:rPr>
+              <a:t>heroku</a:t>
+            </a:r>
+            <a:r>
+              <a:rPr lang="en-US" altLang="zh-TW" sz="1800" kern="100" dirty="0">
+                <a:effectLst/>
+                <a:latin typeface="Times New Roman" panose="02020603050405020304" pitchFamily="18" charset="0"/>
+                <a:ea typeface="標楷體" panose="03000509000000000000" pitchFamily="65" charset="-120"/>
+                <a:cs typeface="Times New Roman" panose="02020603050405020304" pitchFamily="18" charset="0"/>
+              </a:rPr>
+              <a:t> </a:t>
+            </a:r>
+            <a:r>
+              <a:rPr lang="en-US" altLang="zh-TW" sz="1800" kern="100" dirty="0" err="1">
+                <a:effectLst/>
+                <a:latin typeface="Times New Roman" panose="02020603050405020304" pitchFamily="18" charset="0"/>
+                <a:ea typeface="標楷體" panose="03000509000000000000" pitchFamily="65" charset="-120"/>
+                <a:cs typeface="Times New Roman" panose="02020603050405020304" pitchFamily="18" charset="0"/>
+              </a:rPr>
+              <a:t>api</a:t>
+            </a:r>
+            <a:r>
+              <a:rPr lang="en-US" altLang="zh-TW" sz="1800" kern="100" dirty="0">
+                <a:effectLst/>
+                <a:latin typeface="Times New Roman" panose="02020603050405020304" pitchFamily="18" charset="0"/>
+                <a:ea typeface="標楷體" panose="03000509000000000000" pitchFamily="65" charset="-120"/>
+                <a:cs typeface="Times New Roman" panose="02020603050405020304" pitchFamily="18" charset="0"/>
+              </a:rPr>
+              <a:t> key</a:t>
+            </a:r>
+            <a:r>
+              <a:rPr lang="zh-TW" altLang="zh-TW" sz="1800" kern="100" dirty="0">
+                <a:effectLst/>
+                <a:latin typeface="Times New Roman" panose="02020603050405020304" pitchFamily="18" charset="0"/>
+                <a:ea typeface="標楷體" panose="03000509000000000000" pitchFamily="65" charset="-120"/>
+                <a:cs typeface="Times New Roman" panose="02020603050405020304" pitchFamily="18" charset="0"/>
+              </a:rPr>
+              <a:t>設置到哪個環境變數後，就能不用帳密登入</a:t>
+            </a:r>
+            <a:r>
+              <a:rPr lang="en-US" altLang="zh-TW" sz="1800" kern="100" dirty="0" err="1">
+                <a:effectLst/>
+                <a:latin typeface="Times New Roman" panose="02020603050405020304" pitchFamily="18" charset="0"/>
+                <a:ea typeface="標楷體" panose="03000509000000000000" pitchFamily="65" charset="-120"/>
+                <a:cs typeface="Times New Roman" panose="02020603050405020304" pitchFamily="18" charset="0"/>
+              </a:rPr>
+              <a:t>heroku</a:t>
+            </a:r>
+            <a:r>
+              <a:rPr lang="en-US" altLang="zh-TW" sz="1800" kern="100" dirty="0">
+                <a:effectLst/>
+                <a:latin typeface="Times New Roman" panose="02020603050405020304" pitchFamily="18" charset="0"/>
+                <a:ea typeface="標楷體" panose="03000509000000000000" pitchFamily="65" charset="-120"/>
+                <a:cs typeface="Times New Roman" panose="02020603050405020304" pitchFamily="18" charset="0"/>
+              </a:rPr>
+              <a:t>)</a:t>
+            </a:r>
+            <a:br>
+              <a:rPr lang="en-US" altLang="zh-TW" sz="1800" kern="100" dirty="0">
+                <a:effectLst/>
+                <a:latin typeface="Times New Roman" panose="02020603050405020304" pitchFamily="18" charset="0"/>
+                <a:ea typeface="標楷體" panose="03000509000000000000" pitchFamily="65" charset="-120"/>
+                <a:cs typeface="Times New Roman" panose="02020603050405020304" pitchFamily="18" charset="0"/>
+              </a:rPr>
+            </a:br>
+            <a:r>
+              <a:rPr lang="en-US" altLang="zh-TW" sz="1800" kern="100" dirty="0">
+                <a:effectLst/>
+                <a:latin typeface="Times New Roman" panose="02020603050405020304" pitchFamily="18" charset="0"/>
+                <a:ea typeface="標楷體" panose="03000509000000000000" pitchFamily="65" charset="-120"/>
+                <a:cs typeface="Times New Roman" panose="02020603050405020304" pitchFamily="18" charset="0"/>
+                <a:hlinkClick r:id="rId6"/>
+              </a:rPr>
+              <a:t>https://stackoverflow.com/questions/39554697/script-heroku-login-in-a-ci-environment</a:t>
+            </a:r>
+            <a:endParaRPr lang="en-US" altLang="zh-TW" sz="1800" kern="100" dirty="0">
+              <a:effectLst/>
+              <a:latin typeface="Times New Roman" panose="02020603050405020304" pitchFamily="18" charset="0"/>
+              <a:ea typeface="標楷體" panose="03000509000000000000" pitchFamily="65" charset="-120"/>
+              <a:cs typeface="Times New Roman" panose="02020603050405020304" pitchFamily="18" charset="0"/>
+            </a:endParaRPr>
+          </a:p>
+          <a:p>
+            <a:endParaRPr lang="en-US" altLang="zh-TW" sz="1800" dirty="0"/>
           </a:p>
         </p:txBody>
       </p:sp>
@@ -14125,6 +14344,115 @@
             <a:fld id="{75E47052-7B09-43AD-91E3-B0B6BEE9451F}" type="slidenum">
               <a:rPr lang="zh-TW" altLang="en-US" smtClean="0"/>
               <a:t>43</a:t>
+            </a:fld>
+            <a:endParaRPr lang="zh-TW" altLang="en-US"/>
+          </a:p>
+        </p:txBody>
+      </p:sp>
+    </p:spTree>
+    <p:extLst>
+      <p:ext uri="{BB962C8B-B14F-4D97-AF65-F5344CB8AC3E}">
+        <p14:creationId xmlns:p14="http://schemas.microsoft.com/office/powerpoint/2010/main" val="978250045"/>
+      </p:ext>
+    </p:extLst>
+  </p:cSld>
+  <p:clrMapOvr>
+    <a:masterClrMapping/>
+  </p:clrMapOvr>
+</p:sld>
+</file>
+
+<file path=ppt/slides/slide44.xml><?xml version="1.0" encoding="utf-8"?>
+<p:sld xmlns:a="http://schemas.openxmlformats.org/drawingml/2006/main" xmlns:r="http://schemas.openxmlformats.org/officeDocument/2006/relationships" xmlns:p="http://schemas.openxmlformats.org/presentationml/2006/main">
+  <p:cSld>
+    <p:spTree>
+      <p:nvGrpSpPr>
+        <p:cNvPr id="1" name=""/>
+        <p:cNvGrpSpPr/>
+        <p:nvPr/>
+      </p:nvGrpSpPr>
+      <p:grpSpPr>
+        <a:xfrm>
+          <a:off x="0" y="0"/>
+          <a:ext cx="0" cy="0"/>
+          <a:chOff x="0" y="0"/>
+          <a:chExt cx="0" cy="0"/>
+        </a:xfrm>
+      </p:grpSpPr>
+      <p:sp>
+        <p:nvSpPr>
+          <p:cNvPr id="2" name="標題 1">
+            <a:extLst>
+              <a:ext uri="{FF2B5EF4-FFF2-40B4-BE49-F238E27FC236}">
+                <a16:creationId xmlns:a16="http://schemas.microsoft.com/office/drawing/2014/main" id="{985FB74F-C34E-43C3-B198-98785D0D6740}"/>
+              </a:ext>
+            </a:extLst>
+          </p:cNvPr>
+          <p:cNvSpPr>
+            <a:spLocks noGrp="1"/>
+          </p:cNvSpPr>
+          <p:nvPr>
+            <p:ph type="title"/>
+          </p:nvPr>
+        </p:nvSpPr>
+        <p:spPr/>
+        <p:txBody>
+          <a:bodyPr/>
+          <a:lstStyle/>
+          <a:p>
+            <a:endParaRPr lang="zh-TW" altLang="en-US"/>
+          </a:p>
+        </p:txBody>
+      </p:sp>
+      <p:sp>
+        <p:nvSpPr>
+          <p:cNvPr id="3" name="內容版面配置區 2">
+            <a:extLst>
+              <a:ext uri="{FF2B5EF4-FFF2-40B4-BE49-F238E27FC236}">
+                <a16:creationId xmlns:a16="http://schemas.microsoft.com/office/drawing/2014/main" id="{DCF7C52F-996B-473E-BC95-7C313CD0C853}"/>
+              </a:ext>
+            </a:extLst>
+          </p:cNvPr>
+          <p:cNvSpPr>
+            <a:spLocks noGrp="1"/>
+          </p:cNvSpPr>
+          <p:nvPr>
+            <p:ph idx="1"/>
+          </p:nvPr>
+        </p:nvSpPr>
+        <p:spPr/>
+        <p:txBody>
+          <a:bodyPr/>
+          <a:lstStyle/>
+          <a:p>
+            <a:endParaRPr lang="zh-TW" altLang="en-US"/>
+          </a:p>
+        </p:txBody>
+      </p:sp>
+      <p:sp>
+        <p:nvSpPr>
+          <p:cNvPr id="4" name="投影片編號版面配置區 3">
+            <a:extLst>
+              <a:ext uri="{FF2B5EF4-FFF2-40B4-BE49-F238E27FC236}">
+                <a16:creationId xmlns:a16="http://schemas.microsoft.com/office/drawing/2014/main" id="{61A6E238-30B5-4031-8358-77EC5CBECF54}"/>
+              </a:ext>
+            </a:extLst>
+          </p:cNvPr>
+          <p:cNvSpPr>
+            <a:spLocks noGrp="1"/>
+          </p:cNvSpPr>
+          <p:nvPr>
+            <p:ph type="sldNum" sz="quarter" idx="12"/>
+          </p:nvPr>
+        </p:nvSpPr>
+        <p:spPr/>
+        <p:txBody>
+          <a:bodyPr/>
+          <a:lstStyle/>
+          <a:p>
+            <a:fld id="{75E47052-7B09-43AD-91E3-B0B6BEE9451F}" type="slidenum">
+              <a:rPr lang="zh-TW" altLang="en-US" smtClean="0"/>
+              <a:t>44</a:t>
             </a:fld>
             <a:endParaRPr lang="zh-TW" altLang="en-US"/>
           </a:p>
